--- a/Studer_Koch_Urban_air_quality.pptx
+++ b/Studer_Koch_Urban_air_quality.pptx
@@ -5,7 +5,7 @@
     <p:sldMasterId id="2147483648" r:id="rId1"/>
   </p:sldMasterIdLst>
   <p:notesMasterIdLst>
-    <p:notesMasterId r:id="rId17"/>
+    <p:notesMasterId r:id="rId18"/>
   </p:notesMasterIdLst>
   <p:sldIdLst>
     <p:sldId id="257" r:id="rId2"/>
@@ -19,10 +19,11 @@
     <p:sldId id="267" r:id="rId10"/>
     <p:sldId id="268" r:id="rId11"/>
     <p:sldId id="274" r:id="rId12"/>
-    <p:sldId id="270" r:id="rId13"/>
-    <p:sldId id="264" r:id="rId14"/>
-    <p:sldId id="273" r:id="rId15"/>
-    <p:sldId id="265" r:id="rId16"/>
+    <p:sldId id="275" r:id="rId13"/>
+    <p:sldId id="270" r:id="rId14"/>
+    <p:sldId id="264" r:id="rId15"/>
+    <p:sldId id="273" r:id="rId16"/>
+    <p:sldId id="265" r:id="rId17"/>
   </p:sldIdLst>
   <p:sldSz cx="12192000" cy="6858000"/>
   <p:notesSz cx="6858000" cy="9144000"/>
@@ -211,7 +212,7 @@
           <a:p>
             <a:fld id="{7BC0AAFF-42A0-CD4C-9F02-C233C89D652D}" type="datetimeFigureOut">
               <a:rPr lang="de-US" smtClean="0"/>
-              <a:t>3/4/23</a:t>
+              <a:t>3/7/23</a:t>
             </a:fld>
             <a:endParaRPr lang="de-US"/>
           </a:p>
@@ -848,26 +849,29 @@
           <a:lstStyle/>
           <a:p>
             <a:pPr algn="l"/>
-            <a:r>
-              <a:rPr lang="de-DE" b="0" i="0" dirty="0" err="1">
-                <a:solidFill>
-                  <a:srgbClr val="374151"/>
-                </a:solidFill>
-                <a:effectLst/>
-                <a:latin typeface="Söhne"/>
-              </a:rPr>
+            <a:endParaRPr lang="de-DE" b="0" i="0" dirty="0">
+              <a:solidFill>
+                <a:srgbClr val="374151"/>
+              </a:solidFill>
+              <a:effectLst/>
+              <a:latin typeface="Söhne"/>
+            </a:endParaRPr>
+          </a:p>
+          <a:p>
+            <a:r>
+              <a:rPr lang="en-US" dirty="0" err="1"/>
               <a:t>Jorit</a:t>
             </a:r>
             <a:r>
-              <a:rPr lang="de-DE" b="0" i="0" dirty="0">
-                <a:solidFill>
-                  <a:srgbClr val="374151"/>
-                </a:solidFill>
-                <a:effectLst/>
-                <a:latin typeface="Söhne"/>
-              </a:rPr>
+              <a:rPr lang="en-US" dirty="0"/>
               <a:t>: </a:t>
             </a:r>
+          </a:p>
+          <a:p>
+            <a:endParaRPr lang="en-US" dirty="0"/>
+          </a:p>
+          <a:p>
+            <a:endParaRPr lang="en-US" dirty="0"/>
           </a:p>
           <a:p>
             <a:pPr algn="l"/>
@@ -900,34 +904,7 @@
             </a:endParaRPr>
           </a:p>
           <a:p>
-            <a:pPr algn="l"/>
-            <a:endParaRPr lang="de-DE" b="0" i="0" dirty="0">
-              <a:solidFill>
-                <a:srgbClr val="374151"/>
-              </a:solidFill>
-              <a:effectLst/>
-              <a:latin typeface="Söhne"/>
-            </a:endParaRPr>
-          </a:p>
-          <a:p>
-            <a:pPr algn="l"/>
-            <a:endParaRPr lang="de-DE" b="0" i="0" dirty="0">
-              <a:solidFill>
-                <a:srgbClr val="374151"/>
-              </a:solidFill>
-              <a:effectLst/>
-              <a:latin typeface="Söhne"/>
-            </a:endParaRPr>
-          </a:p>
-          <a:p>
-            <a:pPr algn="l"/>
-            <a:endParaRPr lang="de-DE" b="0" i="0" dirty="0">
-              <a:solidFill>
-                <a:srgbClr val="374151"/>
-              </a:solidFill>
-              <a:effectLst/>
-              <a:latin typeface="Söhne"/>
-            </a:endParaRPr>
+            <a:endParaRPr lang="en-US" dirty="0"/>
           </a:p>
         </p:txBody>
       </p:sp>
@@ -957,7 +934,7 @@
     </p:spTree>
     <p:extLst>
       <p:ext uri="{BB962C8B-B14F-4D97-AF65-F5344CB8AC3E}">
-        <p14:creationId xmlns:p14="http://schemas.microsoft.com/office/powerpoint/2010/main" val="2493983231"/>
+        <p14:creationId xmlns:p14="http://schemas.microsoft.com/office/powerpoint/2010/main" val="3200640803"/>
       </p:ext>
     </p:extLst>
   </p:cSld>
@@ -1011,16 +988,87 @@
           <a:bodyPr/>
           <a:lstStyle/>
           <a:p>
-            <a:r>
-              <a:rPr lang="de-US" dirty="0"/>
-              <a:t>Jorit: </a:t>
-            </a:r>
-          </a:p>
-          <a:p>
-            <a:endParaRPr lang="de-US" dirty="0"/>
-          </a:p>
-          <a:p>
-            <a:endParaRPr lang="de-US" dirty="0"/>
+            <a:pPr algn="l"/>
+            <a:r>
+              <a:rPr lang="de-DE" b="0" i="0" dirty="0" err="1">
+                <a:solidFill>
+                  <a:srgbClr val="374151"/>
+                </a:solidFill>
+                <a:effectLst/>
+                <a:latin typeface="Söhne"/>
+              </a:rPr>
+              <a:t>Jorit</a:t>
+            </a:r>
+            <a:r>
+              <a:rPr lang="de-DE" b="0" i="0" dirty="0">
+                <a:solidFill>
+                  <a:srgbClr val="374151"/>
+                </a:solidFill>
+                <a:effectLst/>
+                <a:latin typeface="Söhne"/>
+              </a:rPr>
+              <a:t>: </a:t>
+            </a:r>
+          </a:p>
+          <a:p>
+            <a:pPr algn="l"/>
+            <a:endParaRPr lang="de-DE" b="0" i="0" dirty="0">
+              <a:solidFill>
+                <a:srgbClr val="374151"/>
+              </a:solidFill>
+              <a:effectLst/>
+              <a:latin typeface="Söhne"/>
+            </a:endParaRPr>
+          </a:p>
+          <a:p>
+            <a:pPr algn="l"/>
+            <a:endParaRPr lang="de-DE" b="0" i="0" dirty="0">
+              <a:solidFill>
+                <a:srgbClr val="374151"/>
+              </a:solidFill>
+              <a:effectLst/>
+              <a:latin typeface="Söhne"/>
+            </a:endParaRPr>
+          </a:p>
+          <a:p>
+            <a:pPr algn="l"/>
+            <a:endParaRPr lang="de-DE" b="0" i="0" dirty="0">
+              <a:solidFill>
+                <a:srgbClr val="374151"/>
+              </a:solidFill>
+              <a:effectLst/>
+              <a:latin typeface="Söhne"/>
+            </a:endParaRPr>
+          </a:p>
+          <a:p>
+            <a:pPr algn="l"/>
+            <a:endParaRPr lang="de-DE" b="0" i="0" dirty="0">
+              <a:solidFill>
+                <a:srgbClr val="374151"/>
+              </a:solidFill>
+              <a:effectLst/>
+              <a:latin typeface="Söhne"/>
+            </a:endParaRPr>
+          </a:p>
+          <a:p>
+            <a:pPr algn="l"/>
+            <a:endParaRPr lang="de-DE" b="0" i="0" dirty="0">
+              <a:solidFill>
+                <a:srgbClr val="374151"/>
+              </a:solidFill>
+              <a:effectLst/>
+              <a:latin typeface="Söhne"/>
+            </a:endParaRPr>
+          </a:p>
+          <a:p>
+            <a:pPr algn="l"/>
+            <a:endParaRPr lang="de-DE" b="0" i="0" dirty="0">
+              <a:solidFill>
+                <a:srgbClr val="374151"/>
+              </a:solidFill>
+              <a:effectLst/>
+              <a:latin typeface="Söhne"/>
+            </a:endParaRPr>
           </a:p>
         </p:txBody>
       </p:sp>
@@ -1050,7 +1098,7 @@
     </p:spTree>
     <p:extLst>
       <p:ext uri="{BB962C8B-B14F-4D97-AF65-F5344CB8AC3E}">
-        <p14:creationId xmlns:p14="http://schemas.microsoft.com/office/powerpoint/2010/main" val="893280316"/>
+        <p14:creationId xmlns:p14="http://schemas.microsoft.com/office/powerpoint/2010/main" val="2493983231"/>
       </p:ext>
     </p:extLst>
   </p:cSld>
@@ -1105,107 +1153,15 @@
           <a:lstStyle/>
           <a:p>
             <a:r>
-              <a:rPr lang="en-US" dirty="0" err="1"/>
-              <a:t>Jorit</a:t>
-            </a:r>
-            <a:r>
-              <a:rPr lang="en-US" dirty="0"/>
-              <a:t>: </a:t>
-            </a:r>
-          </a:p>
-          <a:p>
-            <a:endParaRPr lang="en-US" dirty="0"/>
-          </a:p>
-          <a:p>
-            <a:endParaRPr lang="en-US" dirty="0"/>
-          </a:p>
-          <a:p>
-            <a:r>
-              <a:rPr lang="en-US" dirty="0" err="1"/>
-              <a:t>Unklar</a:t>
-            </a:r>
-            <a:r>
-              <a:rPr lang="en-US" dirty="0"/>
-              <a:t> </a:t>
-            </a:r>
-            <a:r>
-              <a:rPr lang="en-US" dirty="0" err="1"/>
-              <a:t>wie</a:t>
-            </a:r>
-            <a:r>
-              <a:rPr lang="en-US" dirty="0"/>
-              <a:t> </a:t>
-            </a:r>
-            <a:r>
-              <a:rPr lang="en-US" dirty="0" err="1"/>
-              <a:t>Wetterdaten</a:t>
-            </a:r>
-            <a:r>
-              <a:rPr lang="en-US" dirty="0"/>
-              <a:t> </a:t>
-            </a:r>
-            <a:r>
-              <a:rPr lang="en-US" dirty="0" err="1"/>
-              <a:t>modelliert</a:t>
-            </a:r>
-            <a:r>
-              <a:rPr lang="en-US" dirty="0"/>
-              <a:t> </a:t>
-            </a:r>
-            <a:r>
-              <a:rPr lang="en-US" dirty="0" err="1"/>
-              <a:t>worden</a:t>
-            </a:r>
-            <a:r>
-              <a:rPr lang="en-US" dirty="0"/>
-              <a:t> </a:t>
-            </a:r>
-            <a:r>
-              <a:rPr lang="en-US" dirty="0" err="1"/>
-              <a:t>sind</a:t>
-            </a:r>
-            <a:r>
-              <a:rPr lang="en-US" dirty="0"/>
-              <a:t>. </a:t>
-            </a:r>
-          </a:p>
-          <a:p>
-            <a:r>
-              <a:rPr lang="en-US" dirty="0"/>
-              <a:t>Hourly Maximum </a:t>
-            </a:r>
-            <a:r>
-              <a:rPr lang="en-US" dirty="0" err="1"/>
-              <a:t>vergleichen</a:t>
-            </a:r>
-            <a:r>
-              <a:rPr lang="en-US" dirty="0"/>
-              <a:t> </a:t>
-            </a:r>
-          </a:p>
-          <a:p>
-            <a:r>
-              <a:rPr lang="en-US" dirty="0" err="1"/>
-              <a:t>Weniger</a:t>
-            </a:r>
-            <a:r>
-              <a:rPr lang="en-US" dirty="0"/>
-              <a:t> </a:t>
-            </a:r>
-            <a:r>
-              <a:rPr lang="en-US" dirty="0" err="1"/>
-              <a:t>Daten</a:t>
-            </a:r>
-            <a:r>
-              <a:rPr lang="en-US" dirty="0"/>
-              <a:t>  (5 observations less) </a:t>
-            </a:r>
-          </a:p>
-          <a:p>
-            <a:endParaRPr lang="en-US" dirty="0"/>
-          </a:p>
-          <a:p>
-            <a:endParaRPr lang="en-US" dirty="0"/>
+              <a:rPr lang="de-US" dirty="0"/>
+              <a:t>Jorit: </a:t>
+            </a:r>
+          </a:p>
+          <a:p>
+            <a:endParaRPr lang="de-US" dirty="0"/>
+          </a:p>
+          <a:p>
+            <a:endParaRPr lang="de-US" dirty="0"/>
           </a:p>
         </p:txBody>
       </p:sp>
@@ -1235,7 +1191,7 @@
     </p:spTree>
     <p:extLst>
       <p:ext uri="{BB962C8B-B14F-4D97-AF65-F5344CB8AC3E}">
-        <p14:creationId xmlns:p14="http://schemas.microsoft.com/office/powerpoint/2010/main" val="1801374404"/>
+        <p14:creationId xmlns:p14="http://schemas.microsoft.com/office/powerpoint/2010/main" val="893280316"/>
       </p:ext>
     </p:extLst>
   </p:cSld>
@@ -1305,49 +1261,91 @@
             <a:endParaRPr lang="en-US" dirty="0"/>
           </a:p>
           <a:p>
+            <a:r>
+              <a:rPr lang="en-US" dirty="0" err="1"/>
+              <a:t>Unklar</a:t>
+            </a:r>
+            <a:r>
+              <a:rPr lang="en-US" dirty="0"/>
+              <a:t> </a:t>
+            </a:r>
+            <a:r>
+              <a:rPr lang="en-US" dirty="0" err="1"/>
+              <a:t>wie</a:t>
+            </a:r>
+            <a:r>
+              <a:rPr lang="en-US" dirty="0"/>
+              <a:t> </a:t>
+            </a:r>
+            <a:r>
+              <a:rPr lang="en-US" dirty="0" err="1"/>
+              <a:t>Wetterdaten</a:t>
+            </a:r>
+            <a:r>
+              <a:rPr lang="en-US" dirty="0"/>
+              <a:t> </a:t>
+            </a:r>
+            <a:r>
+              <a:rPr lang="en-US" dirty="0" err="1"/>
+              <a:t>modelliert</a:t>
+            </a:r>
+            <a:r>
+              <a:rPr lang="en-US" dirty="0"/>
+              <a:t> </a:t>
+            </a:r>
+            <a:r>
+              <a:rPr lang="en-US" dirty="0" err="1"/>
+              <a:t>worden</a:t>
+            </a:r>
+            <a:r>
+              <a:rPr lang="en-US" dirty="0"/>
+              <a:t> </a:t>
+            </a:r>
+            <a:r>
+              <a:rPr lang="en-US" dirty="0" err="1"/>
+              <a:t>sind</a:t>
+            </a:r>
+            <a:r>
+              <a:rPr lang="en-US" dirty="0"/>
+              <a:t>. </a:t>
+            </a:r>
+          </a:p>
+          <a:p>
+            <a:r>
+              <a:rPr lang="en-US" dirty="0"/>
+              <a:t>Hourly Maximum </a:t>
+            </a:r>
+            <a:r>
+              <a:rPr lang="en-US" dirty="0" err="1"/>
+              <a:t>vergleichen</a:t>
+            </a:r>
+            <a:r>
+              <a:rPr lang="en-US" dirty="0"/>
+              <a:t> </a:t>
+            </a:r>
+          </a:p>
+          <a:p>
+            <a:r>
+              <a:rPr lang="en-US" dirty="0" err="1"/>
+              <a:t>Weniger</a:t>
+            </a:r>
+            <a:r>
+              <a:rPr lang="en-US" dirty="0"/>
+              <a:t> </a:t>
+            </a:r>
+            <a:r>
+              <a:rPr lang="en-US" dirty="0" err="1"/>
+              <a:t>Daten</a:t>
+            </a:r>
+            <a:r>
+              <a:rPr lang="en-US" dirty="0"/>
+              <a:t>  (5 observations less) </a:t>
+            </a:r>
+          </a:p>
+          <a:p>
             <a:endParaRPr lang="en-US" dirty="0"/>
           </a:p>
           <a:p>
-            <a:r>
-              <a:rPr lang="en-US" dirty="0"/>
-              <a:t>Paper </a:t>
-            </a:r>
-            <a:r>
-              <a:rPr lang="en-US" dirty="0" err="1"/>
-              <a:t>aus</a:t>
-            </a:r>
-            <a:r>
-              <a:rPr lang="en-US" dirty="0"/>
-              <a:t> </a:t>
-            </a:r>
-            <a:r>
-              <a:rPr lang="en-US" dirty="0" err="1"/>
-              <a:t>Whatsapp</a:t>
-            </a:r>
-            <a:r>
-              <a:rPr lang="en-US" dirty="0"/>
-              <a:t>? Oder </a:t>
-            </a:r>
-            <a:r>
-              <a:rPr lang="en-US" dirty="0" err="1"/>
-              <a:t>besser</a:t>
-            </a:r>
-            <a:r>
-              <a:rPr lang="en-US" dirty="0"/>
-              <a:t> </a:t>
-            </a:r>
-            <a:r>
-              <a:rPr lang="en-US" dirty="0" err="1"/>
-              <a:t>doch</a:t>
-            </a:r>
-            <a:r>
-              <a:rPr lang="en-US" dirty="0"/>
-              <a:t> </a:t>
-            </a:r>
-            <a:r>
-              <a:rPr lang="en-US" dirty="0" err="1"/>
-              <a:t>nicht</a:t>
-            </a:r>
             <a:endParaRPr lang="en-US" dirty="0"/>
           </a:p>
         </p:txBody>
@@ -1370,6 +1368,194 @@
             <a:fld id="{7DB5635A-3EED-884E-8281-8637E6D4C67C}" type="slidenum">
               <a:rPr lang="de-US" smtClean="0"/>
               <a:t>15</a:t>
+            </a:fld>
+            <a:endParaRPr lang="de-US"/>
+          </a:p>
+        </p:txBody>
+      </p:sp>
+    </p:spTree>
+    <p:extLst>
+      <p:ext uri="{BB962C8B-B14F-4D97-AF65-F5344CB8AC3E}">
+        <p14:creationId xmlns:p14="http://schemas.microsoft.com/office/powerpoint/2010/main" val="1801374404"/>
+      </p:ext>
+    </p:extLst>
+  </p:cSld>
+  <p:clrMapOvr>
+    <a:masterClrMapping/>
+  </p:clrMapOvr>
+</p:notes>
+</file>
+
+<file path=ppt/notesSlides/notesSlide16.xml><?xml version="1.0" encoding="utf-8"?>
+<p:notes xmlns:a="http://schemas.openxmlformats.org/drawingml/2006/main" xmlns:r="http://schemas.openxmlformats.org/officeDocument/2006/relationships" xmlns:p="http://schemas.openxmlformats.org/presentationml/2006/main">
+  <p:cSld>
+    <p:spTree>
+      <p:nvGrpSpPr>
+        <p:cNvPr id="1" name=""/>
+        <p:cNvGrpSpPr/>
+        <p:nvPr/>
+      </p:nvGrpSpPr>
+      <p:grpSpPr>
+        <a:xfrm>
+          <a:off x="0" y="0"/>
+          <a:ext cx="0" cy="0"/>
+          <a:chOff x="0" y="0"/>
+          <a:chExt cx="0" cy="0"/>
+        </a:xfrm>
+      </p:grpSpPr>
+      <p:sp>
+        <p:nvSpPr>
+          <p:cNvPr id="2" name="Folienbildplatzhalter 1"/>
+          <p:cNvSpPr>
+            <a:spLocks noGrp="1" noRot="1" noChangeAspect="1"/>
+          </p:cNvSpPr>
+          <p:nvPr>
+            <p:ph type="sldImg"/>
+          </p:nvPr>
+        </p:nvSpPr>
+        <p:spPr/>
+      </p:sp>
+      <p:sp>
+        <p:nvSpPr>
+          <p:cNvPr id="3" name="Notizenplatzhalter 2"/>
+          <p:cNvSpPr>
+            <a:spLocks noGrp="1"/>
+          </p:cNvSpPr>
+          <p:nvPr>
+            <p:ph type="body" idx="1"/>
+          </p:nvPr>
+        </p:nvSpPr>
+        <p:spPr/>
+        <p:txBody>
+          <a:bodyPr/>
+          <a:lstStyle/>
+          <a:p>
+            <a:r>
+              <a:rPr lang="en-US" dirty="0" err="1"/>
+              <a:t>Jorit</a:t>
+            </a:r>
+            <a:r>
+              <a:rPr lang="en-US" dirty="0"/>
+              <a:t>: </a:t>
+            </a:r>
+          </a:p>
+          <a:p>
+            <a:endParaRPr lang="en-US" dirty="0"/>
+          </a:p>
+          <a:p>
+            <a:endParaRPr lang="en-US" dirty="0"/>
+          </a:p>
+          <a:p>
+            <a:endParaRPr lang="en-US" dirty="0"/>
+          </a:p>
+          <a:p>
+            <a:endParaRPr lang="en-US" dirty="0"/>
+          </a:p>
+          <a:p>
+            <a:endParaRPr lang="en-US" dirty="0"/>
+          </a:p>
+          <a:p>
+            <a:endParaRPr lang="en-US" dirty="0"/>
+          </a:p>
+          <a:p>
+            <a:r>
+              <a:rPr lang="en-US" dirty="0"/>
+              <a:t>___</a:t>
+            </a:r>
+          </a:p>
+          <a:p>
+            <a:r>
+              <a:rPr lang="en-US" dirty="0"/>
+              <a:t>The paper "Particulate air pollution, birth outcomes, and infant mortality: Evidence from Japan’s automobile emission control law of 1992" by Inoue, </a:t>
+            </a:r>
+            <a:r>
+              <a:rPr lang="en-US" dirty="0" err="1"/>
+              <a:t>Nunokawa</a:t>
+            </a:r>
+            <a:r>
+              <a:rPr lang="en-US" dirty="0"/>
+              <a:t>, </a:t>
+            </a:r>
+            <a:r>
+              <a:rPr lang="en-US" dirty="0" err="1"/>
+              <a:t>Kurisu</a:t>
+            </a:r>
+            <a:r>
+              <a:rPr lang="en-US" dirty="0"/>
+              <a:t>, and Ogasawara (2020) examines the impact of the Automobile NOx Law of 1992 on air pollutants and fetal and infant health outcomes in Japan. The study finds using a fixed effects model and a </a:t>
+            </a:r>
+            <a:r>
+              <a:rPr lang="en-US" dirty="0" err="1"/>
+              <a:t>DiD</a:t>
+            </a:r>
+            <a:r>
+              <a:rPr lang="en-US" dirty="0"/>
+              <a:t> approach that the regulation led to a 5% reduction in NOx levels and an 11% reduction in SO2 levels. The treatment group consists of 196 municipalities and 194 municipalities in non-regulated areas belong to the control group. Therefore the findings of Inoue, </a:t>
+            </a:r>
+            <a:r>
+              <a:rPr lang="en-US" dirty="0" err="1"/>
+              <a:t>Nunokawa</a:t>
+            </a:r>
+            <a:r>
+              <a:rPr lang="en-US" dirty="0"/>
+              <a:t>, </a:t>
+            </a:r>
+            <a:r>
+              <a:rPr lang="en-US" dirty="0" err="1"/>
+              <a:t>Kurisu</a:t>
+            </a:r>
+            <a:r>
+              <a:rPr lang="en-US" dirty="0"/>
+              <a:t>, and Ogasawara (2020) are consistent with the results of the study by </a:t>
+            </a:r>
+            <a:r>
+              <a:rPr lang="en-US" dirty="0" err="1"/>
+              <a:t>Nishitateno</a:t>
+            </a:r>
+            <a:r>
+              <a:rPr lang="en-US" dirty="0"/>
+              <a:t> and Burke (2020), as well as our own findings. All studies employed the difference-in-differences (</a:t>
+            </a:r>
+            <a:r>
+              <a:rPr lang="en-US" dirty="0" err="1"/>
+              <a:t>DiD</a:t>
+            </a:r>
+            <a:r>
+              <a:rPr lang="en-US" dirty="0"/>
+              <a:t>) method to analyze the impacts of vehicle regulations on air quality in Japan. A big difference between the studies is that the number of observations varies, with Inoue et al. having 14,085 monitoring stations, </a:t>
+            </a:r>
+            <a:r>
+              <a:rPr lang="en-US" dirty="0" err="1"/>
+              <a:t>Nishitano</a:t>
+            </a:r>
+            <a:r>
+              <a:rPr lang="en-US" dirty="0"/>
+              <a:t> et al. having 90,430, and our study having 90,425. </a:t>
+            </a:r>
+          </a:p>
+          <a:p>
+            <a:endParaRPr lang="en-US" dirty="0"/>
+          </a:p>
+        </p:txBody>
+      </p:sp>
+      <p:sp>
+        <p:nvSpPr>
+          <p:cNvPr id="4" name="Foliennummernplatzhalter 3"/>
+          <p:cNvSpPr>
+            <a:spLocks noGrp="1"/>
+          </p:cNvSpPr>
+          <p:nvPr>
+            <p:ph type="sldNum" sz="quarter" idx="5"/>
+          </p:nvPr>
+        </p:nvSpPr>
+        <p:spPr/>
+        <p:txBody>
+          <a:bodyPr/>
+          <a:lstStyle/>
+          <a:p>
+            <a:fld id="{7DB5635A-3EED-884E-8281-8637E6D4C67C}" type="slidenum">
+              <a:rPr lang="de-US" smtClean="0"/>
+              <a:t>16</a:t>
             </a:fld>
             <a:endParaRPr lang="de-US"/>
           </a:p>
@@ -10906,7 +11092,7 @@
           <a:p>
             <a:fld id="{DF6015D5-F047-674E-955E-82F4425B7F56}" type="datetimeFigureOut">
               <a:rPr lang="de-US" smtClean="0"/>
-              <a:t>3/4/23</a:t>
+              <a:t>3/7/23</a:t>
             </a:fld>
             <a:endParaRPr lang="de-US"/>
           </a:p>
@@ -11106,7 +11292,7 @@
           <a:p>
             <a:fld id="{DF6015D5-F047-674E-955E-82F4425B7F56}" type="datetimeFigureOut">
               <a:rPr lang="de-US" smtClean="0"/>
-              <a:t>3/4/23</a:t>
+              <a:t>3/7/23</a:t>
             </a:fld>
             <a:endParaRPr lang="de-US"/>
           </a:p>
@@ -11316,7 +11502,7 @@
           <a:p>
             <a:fld id="{DF6015D5-F047-674E-955E-82F4425B7F56}" type="datetimeFigureOut">
               <a:rPr lang="de-US" smtClean="0"/>
-              <a:t>3/4/23</a:t>
+              <a:t>3/7/23</a:t>
             </a:fld>
             <a:endParaRPr lang="de-US"/>
           </a:p>
@@ -11516,7 +11702,7 @@
           <a:p>
             <a:fld id="{DF6015D5-F047-674E-955E-82F4425B7F56}" type="datetimeFigureOut">
               <a:rPr lang="de-US" smtClean="0"/>
-              <a:t>3/4/23</a:t>
+              <a:t>3/7/23</a:t>
             </a:fld>
             <a:endParaRPr lang="de-US"/>
           </a:p>
@@ -11792,7 +11978,7 @@
           <a:p>
             <a:fld id="{DF6015D5-F047-674E-955E-82F4425B7F56}" type="datetimeFigureOut">
               <a:rPr lang="de-US" smtClean="0"/>
-              <a:t>3/4/23</a:t>
+              <a:t>3/7/23</a:t>
             </a:fld>
             <a:endParaRPr lang="de-US"/>
           </a:p>
@@ -12060,7 +12246,7 @@
           <a:p>
             <a:fld id="{DF6015D5-F047-674E-955E-82F4425B7F56}" type="datetimeFigureOut">
               <a:rPr lang="de-US" smtClean="0"/>
-              <a:t>3/4/23</a:t>
+              <a:t>3/7/23</a:t>
             </a:fld>
             <a:endParaRPr lang="de-US"/>
           </a:p>
@@ -12475,7 +12661,7 @@
           <a:p>
             <a:fld id="{DF6015D5-F047-674E-955E-82F4425B7F56}" type="datetimeFigureOut">
               <a:rPr lang="de-US" smtClean="0"/>
-              <a:t>3/4/23</a:t>
+              <a:t>3/7/23</a:t>
             </a:fld>
             <a:endParaRPr lang="de-US"/>
           </a:p>
@@ -12617,7 +12803,7 @@
           <a:p>
             <a:fld id="{DF6015D5-F047-674E-955E-82F4425B7F56}" type="datetimeFigureOut">
               <a:rPr lang="de-US" smtClean="0"/>
-              <a:t>3/4/23</a:t>
+              <a:t>3/7/23</a:t>
             </a:fld>
             <a:endParaRPr lang="de-US"/>
           </a:p>
@@ -12730,7 +12916,7 @@
           <a:p>
             <a:fld id="{DF6015D5-F047-674E-955E-82F4425B7F56}" type="datetimeFigureOut">
               <a:rPr lang="de-US" smtClean="0"/>
-              <a:t>3/4/23</a:t>
+              <a:t>3/7/23</a:t>
             </a:fld>
             <a:endParaRPr lang="de-US"/>
           </a:p>
@@ -13043,7 +13229,7 @@
           <a:p>
             <a:fld id="{DF6015D5-F047-674E-955E-82F4425B7F56}" type="datetimeFigureOut">
               <a:rPr lang="de-US" smtClean="0"/>
-              <a:t>3/4/23</a:t>
+              <a:t>3/7/23</a:t>
             </a:fld>
             <a:endParaRPr lang="de-US"/>
           </a:p>
@@ -13332,7 +13518,7 @@
           <a:p>
             <a:fld id="{DF6015D5-F047-674E-955E-82F4425B7F56}" type="datetimeFigureOut">
               <a:rPr lang="de-US" smtClean="0"/>
-              <a:t>3/4/23</a:t>
+              <a:t>3/7/23</a:t>
             </a:fld>
             <a:endParaRPr lang="de-US"/>
           </a:p>
@@ -13575,7 +13761,7 @@
           <a:p>
             <a:fld id="{DF6015D5-F047-674E-955E-82F4425B7F56}" type="datetimeFigureOut">
               <a:rPr lang="de-US" smtClean="0"/>
-              <a:t>3/4/23</a:t>
+              <a:t>3/7/23</a:t>
             </a:fld>
             <a:endParaRPr lang="de-US"/>
           </a:p>
@@ -14477,36 +14663,6 @@
           </a:p>
         </p:txBody>
       </p:sp>
-      <p:pic>
-        <p:nvPicPr>
-          <p:cNvPr id="6" name="Grafik 5">
-            <a:extLst>
-              <a:ext uri="{FF2B5EF4-FFF2-40B4-BE49-F238E27FC236}">
-                <a16:creationId xmlns:a16="http://schemas.microsoft.com/office/drawing/2014/main" id="{79632385-BBA6-D36C-6684-E86F73E94417}"/>
-              </a:ext>
-            </a:extLst>
-          </p:cNvPr>
-          <p:cNvPicPr>
-            <a:picLocks noChangeAspect="1"/>
-          </p:cNvPicPr>
-          <p:nvPr/>
-        </p:nvPicPr>
-        <p:blipFill>
-          <a:blip r:embed="rId3"/>
-          <a:stretch>
-            <a:fillRect/>
-          </a:stretch>
-        </p:blipFill>
-        <p:spPr>
-          <a:xfrm>
-            <a:off x="14482355" y="5489396"/>
-            <a:ext cx="7620000" cy="6743700"/>
-          </a:xfrm>
-          <a:prstGeom prst="rect">
-            <a:avLst/>
-          </a:prstGeom>
-        </p:spPr>
-      </p:pic>
       <p:sp>
         <p:nvSpPr>
           <p:cNvPr id="8" name="Textfeld 7">
@@ -14734,82 +14890,20 @@
           <p:nvPr/>
         </p:nvPicPr>
         <p:blipFill>
-          <a:blip r:embed="rId4"/>
-          <a:stretch>
-            <a:fillRect/>
-          </a:stretch>
+          <a:blip r:embed="rId3"/>
+          <a:srcRect/>
+          <a:stretch/>
         </p:blipFill>
         <p:spPr>
           <a:xfrm>
-            <a:off x="1864724" y="1816893"/>
-            <a:ext cx="10518770" cy="5259385"/>
+            <a:off x="1864724" y="1807201"/>
+            <a:ext cx="10518770" cy="5034624"/>
           </a:xfrm>
           <a:prstGeom prst="rect">
             <a:avLst/>
           </a:prstGeom>
         </p:spPr>
       </p:pic>
-      <p:sp>
-        <p:nvSpPr>
-          <p:cNvPr id="13" name="Rechteck 12">
-            <a:extLst>
-              <a:ext uri="{FF2B5EF4-FFF2-40B4-BE49-F238E27FC236}">
-                <a16:creationId xmlns:a16="http://schemas.microsoft.com/office/drawing/2014/main" id="{4922BFAB-6E72-FD66-D410-B581FF289F75}"/>
-              </a:ext>
-            </a:extLst>
-          </p:cNvPr>
-          <p:cNvSpPr/>
-          <p:nvPr/>
-        </p:nvSpPr>
-        <p:spPr>
-          <a:xfrm>
-            <a:off x="6437884" y="2898843"/>
-            <a:ext cx="3639971" cy="1303506"/>
-          </a:xfrm>
-          <a:prstGeom prst="rect">
-            <a:avLst/>
-          </a:prstGeom>
-          <a:solidFill>
-            <a:schemeClr val="accent2"/>
-          </a:solidFill>
-        </p:spPr>
-        <p:style>
-          <a:lnRef idx="2">
-            <a:schemeClr val="accent1">
-              <a:shade val="50000"/>
-            </a:schemeClr>
-          </a:lnRef>
-          <a:fillRef idx="1">
-            <a:schemeClr val="accent1"/>
-          </a:fillRef>
-          <a:effectRef idx="0">
-            <a:schemeClr val="accent1"/>
-          </a:effectRef>
-          <a:fontRef idx="minor">
-            <a:schemeClr val="lt1"/>
-          </a:fontRef>
-        </p:style>
-        <p:txBody>
-          <a:bodyPr rtlCol="0" anchor="ctr"/>
-          <a:lstStyle/>
-          <a:p>
-            <a:pPr algn="ctr"/>
-            <a:r>
-              <a:rPr lang="en-US" dirty="0" err="1"/>
-              <a:t>Graifk</a:t>
-            </a:r>
-            <a:r>
-              <a:rPr lang="en-US" dirty="0"/>
-              <a:t> </a:t>
-            </a:r>
-            <a:r>
-              <a:rPr lang="en-US" dirty="0" err="1"/>
-              <a:t>austauschen</a:t>
-            </a:r>
-            <a:endParaRPr lang="en-US" dirty="0"/>
-          </a:p>
-        </p:txBody>
-      </p:sp>
       <p:sp>
         <p:nvSpPr>
           <p:cNvPr id="14" name="Textfeld 13">
@@ -14986,36 +15080,6 @@
           </a:p>
         </p:txBody>
       </p:sp>
-      <p:pic>
-        <p:nvPicPr>
-          <p:cNvPr id="6" name="Grafik 5">
-            <a:extLst>
-              <a:ext uri="{FF2B5EF4-FFF2-40B4-BE49-F238E27FC236}">
-                <a16:creationId xmlns:a16="http://schemas.microsoft.com/office/drawing/2014/main" id="{79632385-BBA6-D36C-6684-E86F73E94417}"/>
-              </a:ext>
-            </a:extLst>
-          </p:cNvPr>
-          <p:cNvPicPr>
-            <a:picLocks noChangeAspect="1"/>
-          </p:cNvPicPr>
-          <p:nvPr/>
-        </p:nvPicPr>
-        <p:blipFill>
-          <a:blip r:embed="rId3"/>
-          <a:stretch>
-            <a:fillRect/>
-          </a:stretch>
-        </p:blipFill>
-        <p:spPr>
-          <a:xfrm>
-            <a:off x="14482355" y="5489396"/>
-            <a:ext cx="7620000" cy="6743700"/>
-          </a:xfrm>
-          <a:prstGeom prst="rect">
-            <a:avLst/>
-          </a:prstGeom>
-        </p:spPr>
-      </p:pic>
       <p:sp>
         <p:nvSpPr>
           <p:cNvPr id="8" name="Textfeld 7">
@@ -15274,7 +15338,7 @@
           <p:nvPr/>
         </p:nvPicPr>
         <p:blipFill>
-          <a:blip r:embed="rId4"/>
+          <a:blip r:embed="rId3"/>
           <a:stretch>
             <a:fillRect/>
           </a:stretch>
@@ -15426,36 +15490,6 @@
           </a:p>
         </p:txBody>
       </p:sp>
-      <p:pic>
-        <p:nvPicPr>
-          <p:cNvPr id="6" name="Grafik 5">
-            <a:extLst>
-              <a:ext uri="{FF2B5EF4-FFF2-40B4-BE49-F238E27FC236}">
-                <a16:creationId xmlns:a16="http://schemas.microsoft.com/office/drawing/2014/main" id="{79632385-BBA6-D36C-6684-E86F73E94417}"/>
-              </a:ext>
-            </a:extLst>
-          </p:cNvPr>
-          <p:cNvPicPr>
-            <a:picLocks noChangeAspect="1"/>
-          </p:cNvPicPr>
-          <p:nvPr/>
-        </p:nvPicPr>
-        <p:blipFill>
-          <a:blip r:embed="rId3"/>
-          <a:stretch>
-            <a:fillRect/>
-          </a:stretch>
-        </p:blipFill>
-        <p:spPr>
-          <a:xfrm>
-            <a:off x="14482355" y="5489396"/>
-            <a:ext cx="7620000" cy="6743700"/>
-          </a:xfrm>
-          <a:prstGeom prst="rect">
-            <a:avLst/>
-          </a:prstGeom>
-        </p:spPr>
-      </p:pic>
       <p:sp>
         <p:nvSpPr>
           <p:cNvPr id="8" name="Textfeld 7">
@@ -15561,75 +15595,6 @@
       </p:sp>
       <p:sp>
         <p:nvSpPr>
-          <p:cNvPr id="7" name="Textfeld 6">
-            <a:extLst>
-              <a:ext uri="{FF2B5EF4-FFF2-40B4-BE49-F238E27FC236}">
-                <a16:creationId xmlns:a16="http://schemas.microsoft.com/office/drawing/2014/main" id="{636E6538-CE43-DA17-656D-797F740113F6}"/>
-              </a:ext>
-            </a:extLst>
-          </p:cNvPr>
-          <p:cNvSpPr txBox="1"/>
-          <p:nvPr/>
-        </p:nvSpPr>
-        <p:spPr>
-          <a:xfrm>
-            <a:off x="2623187" y="2270125"/>
-            <a:ext cx="9303129" cy="2031325"/>
-          </a:xfrm>
-          <a:prstGeom prst="rect">
-            <a:avLst/>
-          </a:prstGeom>
-          <a:noFill/>
-        </p:spPr>
-        <p:txBody>
-          <a:bodyPr wrap="square">
-            <a:spAutoFit/>
-          </a:bodyPr>
-          <a:lstStyle/>
-          <a:p>
-            <a:r>
-              <a:rPr lang="en-GB" dirty="0"/>
-              <a:t>Our result suggests that designation under the ANCL reduced the monthly mean ambient concentration of NO2  by 10–16% on average over June 1992–December 2015 for monitors in treated areas.</a:t>
-            </a:r>
-          </a:p>
-          <a:p>
-            <a:endParaRPr lang="en-GB" dirty="0"/>
-          </a:p>
-          <a:p>
-            <a:endParaRPr lang="en-GB" dirty="0"/>
-          </a:p>
-          <a:p>
-            <a:r>
-              <a:rPr lang="en-GB" dirty="0"/>
-              <a:t>Treatment Effect = -0.1288 ± </a:t>
-            </a:r>
-            <a:r>
-              <a:rPr lang="en-GB" dirty="0" err="1"/>
-              <a:t>t.critical</a:t>
-            </a:r>
-            <a:r>
-              <a:rPr lang="en-GB" dirty="0"/>
-              <a:t> (</a:t>
-            </a:r>
-            <a:r>
-              <a:rPr lang="en-GB" dirty="0" err="1"/>
-              <a:t>df</a:t>
-            </a:r>
-            <a:r>
-              <a:rPr lang="en-GB" dirty="0"/>
-              <a:t>, alpha/2) * 0.0136</a:t>
-            </a:r>
-          </a:p>
-          <a:p>
-            <a:r>
-              <a:rPr lang="en-GB" dirty="0"/>
-              <a:t>95% Confidence Interval = (-0.1552, -0.1023)</a:t>
-            </a:r>
-          </a:p>
-        </p:txBody>
-      </p:sp>
-      <p:sp>
-        <p:nvSpPr>
           <p:cNvPr id="11" name="Textfeld 10">
             <a:extLst>
               <a:ext uri="{FF2B5EF4-FFF2-40B4-BE49-F238E27FC236}">
@@ -15723,28 +15688,45 @@
                   <a:srgbClr val="3B4A52"/>
                 </a:solidFill>
               </a:rPr>
-              <a:t>Replication Modeling </a:t>
-            </a:r>
-            <a:r>
-              <a:rPr lang="en-US" sz="2000" b="1" dirty="0" err="1">
-                <a:solidFill>
-                  <a:srgbClr val="3B4A52"/>
-                </a:solidFill>
-              </a:rPr>
-              <a:t>Interpreation</a:t>
-            </a:r>
-            <a:endParaRPr lang="en-US" sz="2000" b="1" dirty="0">
-              <a:solidFill>
-                <a:srgbClr val="3B4A52"/>
-              </a:solidFill>
-            </a:endParaRPr>
+              <a:t>Robustness Check</a:t>
+            </a:r>
           </a:p>
         </p:txBody>
       </p:sp>
+      <p:pic>
+        <p:nvPicPr>
+          <p:cNvPr id="13" name="Grafik 12" descr="Ein Bild, das Text, Quittung enthält.&#10;&#10;Automatisch generierte Beschreibung">
+            <a:extLst>
+              <a:ext uri="{FF2B5EF4-FFF2-40B4-BE49-F238E27FC236}">
+                <a16:creationId xmlns:a16="http://schemas.microsoft.com/office/drawing/2014/main" id="{FF33843B-2CFF-9B38-38CF-60C2999C2DCA}"/>
+              </a:ext>
+            </a:extLst>
+          </p:cNvPr>
+          <p:cNvPicPr>
+            <a:picLocks noChangeAspect="1"/>
+          </p:cNvPicPr>
+          <p:nvPr/>
+        </p:nvPicPr>
+        <p:blipFill>
+          <a:blip r:embed="rId3"/>
+          <a:stretch>
+            <a:fillRect/>
+          </a:stretch>
+        </p:blipFill>
+        <p:spPr>
+          <a:xfrm>
+            <a:off x="5382523" y="2740741"/>
+            <a:ext cx="6085577" cy="3154511"/>
+          </a:xfrm>
+          <a:prstGeom prst="rect">
+            <a:avLst/>
+          </a:prstGeom>
+        </p:spPr>
+      </p:pic>
     </p:spTree>
     <p:extLst>
       <p:ext uri="{BB962C8B-B14F-4D97-AF65-F5344CB8AC3E}">
-        <p14:creationId xmlns:p14="http://schemas.microsoft.com/office/powerpoint/2010/main" val="2958784377"/>
+        <p14:creationId xmlns:p14="http://schemas.microsoft.com/office/powerpoint/2010/main" val="1252186273"/>
       </p:ext>
     </p:extLst>
   </p:cSld>
@@ -15878,36 +15860,428 @@
           </a:p>
         </p:txBody>
       </p:sp>
-      <p:pic>
-        <p:nvPicPr>
-          <p:cNvPr id="6" name="Grafik 5">
+      <p:sp>
+        <p:nvSpPr>
+          <p:cNvPr id="8" name="Textfeld 7">
             <a:extLst>
               <a:ext uri="{FF2B5EF4-FFF2-40B4-BE49-F238E27FC236}">
-                <a16:creationId xmlns:a16="http://schemas.microsoft.com/office/drawing/2014/main" id="{79632385-BBA6-D36C-6684-E86F73E94417}"/>
+                <a16:creationId xmlns:a16="http://schemas.microsoft.com/office/drawing/2014/main" id="{D62AB09D-4366-63E2-4953-9422C0894B90}"/>
               </a:ext>
             </a:extLst>
           </p:cNvPr>
-          <p:cNvPicPr>
-            <a:picLocks noChangeAspect="1"/>
-          </p:cNvPicPr>
+          <p:cNvSpPr txBox="1"/>
           <p:nvPr/>
-        </p:nvPicPr>
-        <p:blipFill>
-          <a:blip r:embed="rId3"/>
-          <a:stretch>
-            <a:fillRect/>
-          </a:stretch>
-        </p:blipFill>
+        </p:nvSpPr>
         <p:spPr>
           <a:xfrm>
-            <a:off x="14482355" y="5489396"/>
-            <a:ext cx="7620000" cy="6743700"/>
+            <a:off x="265684" y="245328"/>
+            <a:ext cx="6172200" cy="830997"/>
           </a:xfrm>
           <a:prstGeom prst="rect">
             <a:avLst/>
           </a:prstGeom>
+          <a:noFill/>
         </p:spPr>
-      </p:pic>
+        <p:txBody>
+          <a:bodyPr wrap="square">
+            <a:spAutoFit/>
+          </a:bodyPr>
+          <a:lstStyle/>
+          <a:p>
+            <a:r>
+              <a:rPr lang="de-US" sz="4800" b="1">
+                <a:solidFill>
+                  <a:srgbClr val="3B4A52"/>
+                </a:solidFill>
+                <a:latin typeface="Barlow" pitchFamily="2" charset="77"/>
+              </a:rPr>
+              <a:t>Descriptive Statistics</a:t>
+            </a:r>
+            <a:endParaRPr lang="de-US">
+              <a:latin typeface="Barlow" pitchFamily="2" charset="77"/>
+            </a:endParaRPr>
+          </a:p>
+        </p:txBody>
+      </p:sp>
+      <p:sp>
+        <p:nvSpPr>
+          <p:cNvPr id="10" name="Rechteck 9">
+            <a:extLst>
+              <a:ext uri="{FF2B5EF4-FFF2-40B4-BE49-F238E27FC236}">
+                <a16:creationId xmlns:a16="http://schemas.microsoft.com/office/drawing/2014/main" id="{3028CB8C-2691-67F9-160B-6752CDD83418}"/>
+              </a:ext>
+            </a:extLst>
+          </p:cNvPr>
+          <p:cNvSpPr/>
+          <p:nvPr/>
+        </p:nvSpPr>
+        <p:spPr>
+          <a:xfrm>
+            <a:off x="1864724" y="1820683"/>
+            <a:ext cx="11510553" cy="5259386"/>
+          </a:xfrm>
+          <a:prstGeom prst="rect">
+            <a:avLst/>
+          </a:prstGeom>
+          <a:solidFill>
+            <a:srgbClr val="6D7E85">
+              <a:tint val="66000"/>
+              <a:satMod val="160000"/>
+            </a:srgbClr>
+          </a:solidFill>
+          <a:ln>
+            <a:noFill/>
+          </a:ln>
+        </p:spPr>
+        <p:style>
+          <a:lnRef idx="2">
+            <a:schemeClr val="accent1">
+              <a:shade val="50000"/>
+            </a:schemeClr>
+          </a:lnRef>
+          <a:fillRef idx="1">
+            <a:schemeClr val="accent1"/>
+          </a:fillRef>
+          <a:effectRef idx="0">
+            <a:schemeClr val="accent1"/>
+          </a:effectRef>
+          <a:fontRef idx="minor">
+            <a:schemeClr val="lt1"/>
+          </a:fontRef>
+        </p:style>
+        <p:txBody>
+          <a:bodyPr rtlCol="0" anchor="ctr"/>
+          <a:lstStyle/>
+          <a:p>
+            <a:pPr algn="ctr"/>
+            <a:endParaRPr lang="de-US" sz="4000" b="1">
+              <a:solidFill>
+                <a:srgbClr val="3B4A52"/>
+              </a:solidFill>
+              <a:latin typeface="Barlow" pitchFamily="2" charset="77"/>
+            </a:endParaRPr>
+          </a:p>
+        </p:txBody>
+      </p:sp>
+      <p:sp>
+        <p:nvSpPr>
+          <p:cNvPr id="7" name="Textfeld 6">
+            <a:extLst>
+              <a:ext uri="{FF2B5EF4-FFF2-40B4-BE49-F238E27FC236}">
+                <a16:creationId xmlns:a16="http://schemas.microsoft.com/office/drawing/2014/main" id="{636E6538-CE43-DA17-656D-797F740113F6}"/>
+              </a:ext>
+            </a:extLst>
+          </p:cNvPr>
+          <p:cNvSpPr txBox="1"/>
+          <p:nvPr/>
+        </p:nvSpPr>
+        <p:spPr>
+          <a:xfrm>
+            <a:off x="2623187" y="2270125"/>
+            <a:ext cx="9303129" cy="2031325"/>
+          </a:xfrm>
+          <a:prstGeom prst="rect">
+            <a:avLst/>
+          </a:prstGeom>
+          <a:noFill/>
+        </p:spPr>
+        <p:txBody>
+          <a:bodyPr wrap="square">
+            <a:spAutoFit/>
+          </a:bodyPr>
+          <a:lstStyle/>
+          <a:p>
+            <a:r>
+              <a:rPr lang="en-GB" dirty="0"/>
+              <a:t>Our result suggests that designation under the ANCL reduced the monthly mean ambient concentration of NO2  by 10–16% on average over June 1992–December 2015 for monitors in treated areas.</a:t>
+            </a:r>
+          </a:p>
+          <a:p>
+            <a:endParaRPr lang="en-GB" dirty="0"/>
+          </a:p>
+          <a:p>
+            <a:endParaRPr lang="en-GB" dirty="0"/>
+          </a:p>
+          <a:p>
+            <a:r>
+              <a:rPr lang="en-GB" dirty="0"/>
+              <a:t>Treatment Effect = -0.1288 ± </a:t>
+            </a:r>
+            <a:r>
+              <a:rPr lang="en-GB" dirty="0" err="1"/>
+              <a:t>t.critical</a:t>
+            </a:r>
+            <a:r>
+              <a:rPr lang="en-GB" dirty="0"/>
+              <a:t> (</a:t>
+            </a:r>
+            <a:r>
+              <a:rPr lang="en-GB" dirty="0" err="1"/>
+              <a:t>df</a:t>
+            </a:r>
+            <a:r>
+              <a:rPr lang="en-GB" dirty="0"/>
+              <a:t>, alpha/2) * 0.0136</a:t>
+            </a:r>
+          </a:p>
+          <a:p>
+            <a:r>
+              <a:rPr lang="en-GB" dirty="0"/>
+              <a:t>95% Confidence Interval = (-0.1552, -0.1023)</a:t>
+            </a:r>
+          </a:p>
+        </p:txBody>
+      </p:sp>
+      <p:sp>
+        <p:nvSpPr>
+          <p:cNvPr id="11" name="Textfeld 10">
+            <a:extLst>
+              <a:ext uri="{FF2B5EF4-FFF2-40B4-BE49-F238E27FC236}">
+                <a16:creationId xmlns:a16="http://schemas.microsoft.com/office/drawing/2014/main" id="{1F4914DB-BEF2-0A7B-1C56-B7735FD30A1E}"/>
+              </a:ext>
+            </a:extLst>
+          </p:cNvPr>
+          <p:cNvSpPr txBox="1"/>
+          <p:nvPr/>
+        </p:nvSpPr>
+        <p:spPr>
+          <a:xfrm>
+            <a:off x="-76200" y="6818459"/>
+            <a:ext cx="2262188" cy="261610"/>
+          </a:xfrm>
+          <a:prstGeom prst="rect">
+            <a:avLst/>
+          </a:prstGeom>
+          <a:noFill/>
+        </p:spPr>
+        <p:txBody>
+          <a:bodyPr wrap="square">
+            <a:spAutoFit/>
+          </a:bodyPr>
+          <a:lstStyle/>
+          <a:p>
+            <a:r>
+              <a:rPr lang="de-DE" sz="1100">
+                <a:solidFill>
+                  <a:srgbClr val="3B4A52"/>
+                </a:solidFill>
+                <a:latin typeface="Barlow" pitchFamily="2" charset="77"/>
+              </a:rPr>
+              <a:t>Natural Experiments </a:t>
+            </a:r>
+            <a:r>
+              <a:rPr lang="de-DE" sz="1100" err="1">
+                <a:solidFill>
+                  <a:srgbClr val="3B4A52"/>
+                </a:solidFill>
+                <a:latin typeface="Barlow" pitchFamily="2" charset="77"/>
+              </a:rPr>
+              <a:t>Using</a:t>
+            </a:r>
+            <a:r>
+              <a:rPr lang="de-DE" sz="1100">
+                <a:solidFill>
+                  <a:srgbClr val="3B4A52"/>
+                </a:solidFill>
+                <a:latin typeface="Barlow" pitchFamily="2" charset="77"/>
+              </a:rPr>
+              <a:t> R </a:t>
+            </a:r>
+            <a:endParaRPr lang="de-US" sz="400">
+              <a:latin typeface="Barlow" pitchFamily="2" charset="77"/>
+            </a:endParaRPr>
+          </a:p>
+        </p:txBody>
+      </p:sp>
+      <p:sp>
+        <p:nvSpPr>
+          <p:cNvPr id="5" name="Textfeld 4">
+            <a:extLst>
+              <a:ext uri="{FF2B5EF4-FFF2-40B4-BE49-F238E27FC236}">
+                <a16:creationId xmlns:a16="http://schemas.microsoft.com/office/drawing/2014/main" id="{9EFE14EA-0545-B84A-F3DD-EFFC3F250B72}"/>
+              </a:ext>
+            </a:extLst>
+          </p:cNvPr>
+          <p:cNvSpPr txBox="1"/>
+          <p:nvPr/>
+        </p:nvSpPr>
+        <p:spPr>
+          <a:xfrm>
+            <a:off x="265684" y="906790"/>
+            <a:ext cx="4736622" cy="400110"/>
+          </a:xfrm>
+          <a:prstGeom prst="rect">
+            <a:avLst/>
+          </a:prstGeom>
+          <a:noFill/>
+        </p:spPr>
+        <p:txBody>
+          <a:bodyPr wrap="square">
+            <a:spAutoFit/>
+          </a:bodyPr>
+          <a:lstStyle/>
+          <a:p>
+            <a:r>
+              <a:rPr lang="en-US" sz="2000" b="1" dirty="0">
+                <a:solidFill>
+                  <a:srgbClr val="3B4A52"/>
+                </a:solidFill>
+              </a:rPr>
+              <a:t>Replication Modeling </a:t>
+            </a:r>
+            <a:r>
+              <a:rPr lang="en-US" sz="2000" b="1" dirty="0" err="1">
+                <a:solidFill>
+                  <a:srgbClr val="3B4A52"/>
+                </a:solidFill>
+              </a:rPr>
+              <a:t>Interpreation</a:t>
+            </a:r>
+            <a:endParaRPr lang="en-US" sz="2000" b="1" dirty="0">
+              <a:solidFill>
+                <a:srgbClr val="3B4A52"/>
+              </a:solidFill>
+            </a:endParaRPr>
+          </a:p>
+        </p:txBody>
+      </p:sp>
+    </p:spTree>
+    <p:extLst>
+      <p:ext uri="{BB962C8B-B14F-4D97-AF65-F5344CB8AC3E}">
+        <p14:creationId xmlns:p14="http://schemas.microsoft.com/office/powerpoint/2010/main" val="2958784377"/>
+      </p:ext>
+    </p:extLst>
+  </p:cSld>
+  <p:clrMapOvr>
+    <a:masterClrMapping/>
+  </p:clrMapOvr>
+</p:sld>
+</file>
+
+<file path=ppt/slides/slide14.xml><?xml version="1.0" encoding="utf-8"?>
+<p:sld xmlns:a="http://schemas.openxmlformats.org/drawingml/2006/main" xmlns:r="http://schemas.openxmlformats.org/officeDocument/2006/relationships" xmlns:p="http://schemas.openxmlformats.org/presentationml/2006/main">
+  <p:cSld>
+    <p:spTree>
+      <p:nvGrpSpPr>
+        <p:cNvPr id="1" name=""/>
+        <p:cNvGrpSpPr/>
+        <p:nvPr/>
+      </p:nvGrpSpPr>
+      <p:grpSpPr>
+        <a:xfrm>
+          <a:off x="0" y="0"/>
+          <a:ext cx="0" cy="0"/>
+          <a:chOff x="0" y="0"/>
+          <a:chExt cx="0" cy="0"/>
+        </a:xfrm>
+      </p:grpSpPr>
+      <p:sp>
+        <p:nvSpPr>
+          <p:cNvPr id="2" name="Titel 1">
+            <a:extLst>
+              <a:ext uri="{FF2B5EF4-FFF2-40B4-BE49-F238E27FC236}">
+                <a16:creationId xmlns:a16="http://schemas.microsoft.com/office/drawing/2014/main" id="{A615ABCF-6C10-F893-EB5C-FCA3CDBB221C}"/>
+              </a:ext>
+            </a:extLst>
+          </p:cNvPr>
+          <p:cNvSpPr>
+            <a:spLocks noGrp="1"/>
+          </p:cNvSpPr>
+          <p:nvPr>
+            <p:ph type="ctrTitle"/>
+          </p:nvPr>
+        </p:nvSpPr>
+        <p:spPr/>
+        <p:txBody>
+          <a:bodyPr/>
+          <a:lstStyle/>
+          <a:p>
+            <a:endParaRPr lang="de-US"/>
+          </a:p>
+        </p:txBody>
+      </p:sp>
+      <p:sp>
+        <p:nvSpPr>
+          <p:cNvPr id="3" name="Untertitel 2">
+            <a:extLst>
+              <a:ext uri="{FF2B5EF4-FFF2-40B4-BE49-F238E27FC236}">
+                <a16:creationId xmlns:a16="http://schemas.microsoft.com/office/drawing/2014/main" id="{F3679E29-C4C6-BE62-5D09-83F441E8858A}"/>
+              </a:ext>
+            </a:extLst>
+          </p:cNvPr>
+          <p:cNvSpPr>
+            <a:spLocks noGrp="1"/>
+          </p:cNvSpPr>
+          <p:nvPr>
+            <p:ph type="subTitle" idx="1"/>
+          </p:nvPr>
+        </p:nvSpPr>
+        <p:spPr/>
+        <p:txBody>
+          <a:bodyPr/>
+          <a:lstStyle/>
+          <a:p>
+            <a:endParaRPr lang="de-US"/>
+          </a:p>
+        </p:txBody>
+      </p:sp>
+      <p:sp>
+        <p:nvSpPr>
+          <p:cNvPr id="4" name="Rechteck 3">
+            <a:extLst>
+              <a:ext uri="{FF2B5EF4-FFF2-40B4-BE49-F238E27FC236}">
+                <a16:creationId xmlns:a16="http://schemas.microsoft.com/office/drawing/2014/main" id="{0B801D36-CDFA-57C2-1427-9C06FEB1FFD2}"/>
+              </a:ext>
+            </a:extLst>
+          </p:cNvPr>
+          <p:cNvSpPr/>
+          <p:nvPr/>
+        </p:nvSpPr>
+        <p:spPr>
+          <a:xfrm>
+            <a:off x="-76200" y="-71437"/>
+            <a:ext cx="12344400" cy="7151506"/>
+          </a:xfrm>
+          <a:prstGeom prst="rect">
+            <a:avLst/>
+          </a:prstGeom>
+          <a:solidFill>
+            <a:srgbClr val="EDEAE5"/>
+          </a:solidFill>
+          <a:ln>
+            <a:noFill/>
+          </a:ln>
+        </p:spPr>
+        <p:style>
+          <a:lnRef idx="2">
+            <a:schemeClr val="accent1">
+              <a:shade val="50000"/>
+            </a:schemeClr>
+          </a:lnRef>
+          <a:fillRef idx="1">
+            <a:schemeClr val="accent1"/>
+          </a:fillRef>
+          <a:effectRef idx="0">
+            <a:schemeClr val="accent1"/>
+          </a:effectRef>
+          <a:fontRef idx="minor">
+            <a:schemeClr val="lt1"/>
+          </a:fontRef>
+        </p:style>
+        <p:txBody>
+          <a:bodyPr rtlCol="0" anchor="ctr"/>
+          <a:lstStyle/>
+          <a:p>
+            <a:pPr algn="ctr"/>
+            <a:endParaRPr lang="de-US" sz="4000" b="1">
+              <a:solidFill>
+                <a:srgbClr val="3B4A52"/>
+              </a:solidFill>
+              <a:latin typeface="Barlow" pitchFamily="2" charset="77"/>
+            </a:endParaRPr>
+          </a:p>
+        </p:txBody>
+      </p:sp>
       <p:sp>
         <p:nvSpPr>
           <p:cNvPr id="8" name="Textfeld 7">
@@ -17261,7 +17635,7 @@
 </p:sld>
 </file>
 
-<file path=ppt/slides/slide14.xml><?xml version="1.0" encoding="utf-8"?>
+<file path=ppt/slides/slide15.xml><?xml version="1.0" encoding="utf-8"?>
 <p:sld xmlns:a="http://schemas.openxmlformats.org/drawingml/2006/main" xmlns:r="http://schemas.openxmlformats.org/officeDocument/2006/relationships" xmlns:p="http://schemas.openxmlformats.org/presentationml/2006/main">
   <p:cSld>
     <p:spTree>
@@ -17393,36 +17767,6 @@
           </a:p>
         </p:txBody>
       </p:sp>
-      <p:pic>
-        <p:nvPicPr>
-          <p:cNvPr id="6" name="Grafik 5">
-            <a:extLst>
-              <a:ext uri="{FF2B5EF4-FFF2-40B4-BE49-F238E27FC236}">
-                <a16:creationId xmlns:a16="http://schemas.microsoft.com/office/drawing/2014/main" id="{79632385-BBA6-D36C-6684-E86F73E94417}"/>
-              </a:ext>
-            </a:extLst>
-          </p:cNvPr>
-          <p:cNvPicPr>
-            <a:picLocks noChangeAspect="1"/>
-          </p:cNvPicPr>
-          <p:nvPr/>
-        </p:nvPicPr>
-        <p:blipFill>
-          <a:blip r:embed="rId3"/>
-          <a:stretch>
-            <a:fillRect/>
-          </a:stretch>
-        </p:blipFill>
-        <p:spPr>
-          <a:xfrm>
-            <a:off x="14482355" y="5489396"/>
-            <a:ext cx="7620000" cy="6743700"/>
-          </a:xfrm>
-          <a:prstGeom prst="rect">
-            <a:avLst/>
-          </a:prstGeom>
-        </p:spPr>
-      </p:pic>
       <p:sp>
         <p:nvSpPr>
           <p:cNvPr id="8" name="Textfeld 7">
@@ -17623,166 +17967,6 @@
           </a:p>
         </p:txBody>
       </p:sp>
-      <p:sp>
-        <p:nvSpPr>
-          <p:cNvPr id="15" name="Textfeld 14">
-            <a:extLst>
-              <a:ext uri="{FF2B5EF4-FFF2-40B4-BE49-F238E27FC236}">
-                <a16:creationId xmlns:a16="http://schemas.microsoft.com/office/drawing/2014/main" id="{DED41F71-0031-7AD2-350D-6B9B17EDA37C}"/>
-              </a:ext>
-            </a:extLst>
-          </p:cNvPr>
-          <p:cNvSpPr txBox="1"/>
-          <p:nvPr/>
-        </p:nvSpPr>
-        <p:spPr>
-          <a:xfrm>
-            <a:off x="8647043" y="158374"/>
-            <a:ext cx="3544957" cy="1477328"/>
-          </a:xfrm>
-          <a:prstGeom prst="rect">
-            <a:avLst/>
-          </a:prstGeom>
-          <a:noFill/>
-        </p:spPr>
-        <p:txBody>
-          <a:bodyPr wrap="square">
-            <a:spAutoFit/>
-          </a:bodyPr>
-          <a:lstStyle/>
-          <a:p>
-            <a:r>
-              <a:rPr lang="de-DE" dirty="0"/>
-              <a:t>6. </a:t>
-            </a:r>
-            <a:r>
-              <a:rPr lang="de-DE" dirty="0" err="1"/>
-              <a:t>Conclusion</a:t>
-            </a:r>
-            <a:r>
-              <a:rPr lang="de-DE" dirty="0"/>
-              <a:t> • Replication </a:t>
-            </a:r>
-            <a:r>
-              <a:rPr lang="de-DE" dirty="0" err="1"/>
-              <a:t>of</a:t>
-            </a:r>
-            <a:r>
-              <a:rPr lang="de-DE" dirty="0"/>
-              <a:t> a </a:t>
-            </a:r>
-            <a:r>
-              <a:rPr lang="de-DE" dirty="0" err="1"/>
-              <a:t>research</a:t>
-            </a:r>
-            <a:r>
-              <a:rPr lang="de-DE" dirty="0"/>
-              <a:t> </a:t>
-            </a:r>
-            <a:r>
-              <a:rPr lang="de-DE" dirty="0" err="1"/>
-              <a:t>paper</a:t>
-            </a:r>
-            <a:r>
-              <a:rPr lang="de-DE" dirty="0"/>
-              <a:t>: </a:t>
-            </a:r>
-            <a:r>
-              <a:rPr lang="de-DE" dirty="0" err="1"/>
-              <a:t>How</a:t>
-            </a:r>
-            <a:r>
-              <a:rPr lang="de-DE" dirty="0"/>
-              <a:t> do </a:t>
-            </a:r>
-            <a:r>
-              <a:rPr lang="de-DE" dirty="0" err="1"/>
-              <a:t>results</a:t>
-            </a:r>
-            <a:r>
-              <a:rPr lang="de-DE" dirty="0"/>
-              <a:t> </a:t>
-            </a:r>
-            <a:r>
-              <a:rPr lang="de-DE" dirty="0" err="1"/>
-              <a:t>compare</a:t>
-            </a:r>
-            <a:r>
-              <a:rPr lang="de-DE" dirty="0"/>
-              <a:t> </a:t>
-            </a:r>
-            <a:r>
-              <a:rPr lang="de-DE" dirty="0" err="1"/>
-              <a:t>to</a:t>
-            </a:r>
-            <a:r>
-              <a:rPr lang="de-DE" dirty="0"/>
-              <a:t> </a:t>
-            </a:r>
-            <a:r>
-              <a:rPr lang="de-DE" dirty="0" err="1"/>
-              <a:t>results</a:t>
-            </a:r>
-            <a:r>
-              <a:rPr lang="de-DE" dirty="0"/>
-              <a:t> </a:t>
-            </a:r>
-            <a:r>
-              <a:rPr lang="de-DE" dirty="0" err="1"/>
-              <a:t>of</a:t>
-            </a:r>
-            <a:r>
-              <a:rPr lang="de-DE" dirty="0"/>
-              <a:t> </a:t>
-            </a:r>
-            <a:r>
-              <a:rPr lang="de-DE" dirty="0" err="1"/>
-              <a:t>research</a:t>
-            </a:r>
-            <a:r>
-              <a:rPr lang="de-DE" dirty="0"/>
-              <a:t> </a:t>
-            </a:r>
-            <a:r>
-              <a:rPr lang="de-DE" dirty="0" err="1"/>
-              <a:t>paper</a:t>
-            </a:r>
-            <a:r>
-              <a:rPr lang="de-DE" dirty="0"/>
-              <a:t>? • Analysis </a:t>
-            </a:r>
-            <a:r>
-              <a:rPr lang="de-DE" dirty="0" err="1"/>
-              <a:t>of</a:t>
-            </a:r>
-            <a:r>
-              <a:rPr lang="de-DE" dirty="0"/>
-              <a:t> </a:t>
-            </a:r>
-            <a:r>
-              <a:rPr lang="de-DE" dirty="0" err="1"/>
-              <a:t>new</a:t>
-            </a:r>
-            <a:r>
-              <a:rPr lang="de-DE" dirty="0"/>
-              <a:t> </a:t>
-            </a:r>
-            <a:r>
-              <a:rPr lang="de-DE" dirty="0" err="1"/>
-              <a:t>data</a:t>
-            </a:r>
-            <a:r>
-              <a:rPr lang="de-DE" dirty="0"/>
-              <a:t>: Are </a:t>
-            </a:r>
-            <a:r>
-              <a:rPr lang="de-DE" dirty="0" err="1"/>
-              <a:t>ther</a:t>
-            </a:r>
-            <a:endParaRPr lang="de-US" dirty="0"/>
-          </a:p>
-        </p:txBody>
-      </p:sp>
       <p:pic>
         <p:nvPicPr>
           <p:cNvPr id="9" name="Grafik 8" descr="Ein Bild, das Tisch enthält.&#10;&#10;Automatisch generierte Beschreibung">
@@ -17798,7 +17982,7 @@
           <p:nvPr/>
         </p:nvPicPr>
         <p:blipFill rotWithShape="1">
-          <a:blip r:embed="rId4"/>
+          <a:blip r:embed="rId3"/>
           <a:srcRect r="40244"/>
           <a:stretch/>
         </p:blipFill>
@@ -17959,7 +18143,7 @@
           <p:nvPr/>
         </p:nvPicPr>
         <p:blipFill>
-          <a:blip r:embed="rId5"/>
+          <a:blip r:embed="rId4"/>
           <a:stretch>
             <a:fillRect/>
           </a:stretch>
@@ -18056,7 +18240,7 @@
 </p:sld>
 </file>
 
-<file path=ppt/slides/slide15.xml><?xml version="1.0" encoding="utf-8"?>
+<file path=ppt/slides/slide16.xml><?xml version="1.0" encoding="utf-8"?>
 <p:sld xmlns:a="http://schemas.openxmlformats.org/drawingml/2006/main" xmlns:r="http://schemas.openxmlformats.org/officeDocument/2006/relationships" xmlns:p="http://schemas.openxmlformats.org/presentationml/2006/main">
   <p:cSld>
     <p:spTree>
@@ -18145,7 +18329,7 @@
         </p:nvSpPr>
         <p:spPr>
           <a:xfrm>
-            <a:off x="-76200" y="-71437"/>
+            <a:off x="-63062" y="-38264"/>
             <a:ext cx="12344400" cy="7151506"/>
           </a:xfrm>
           <a:prstGeom prst="rect">
@@ -18188,36 +18372,6 @@
           </a:p>
         </p:txBody>
       </p:sp>
-      <p:pic>
-        <p:nvPicPr>
-          <p:cNvPr id="6" name="Grafik 5">
-            <a:extLst>
-              <a:ext uri="{FF2B5EF4-FFF2-40B4-BE49-F238E27FC236}">
-                <a16:creationId xmlns:a16="http://schemas.microsoft.com/office/drawing/2014/main" id="{79632385-BBA6-D36C-6684-E86F73E94417}"/>
-              </a:ext>
-            </a:extLst>
-          </p:cNvPr>
-          <p:cNvPicPr>
-            <a:picLocks noChangeAspect="1"/>
-          </p:cNvPicPr>
-          <p:nvPr/>
-        </p:nvPicPr>
-        <p:blipFill>
-          <a:blip r:embed="rId3"/>
-          <a:stretch>
-            <a:fillRect/>
-          </a:stretch>
-        </p:blipFill>
-        <p:spPr>
-          <a:xfrm>
-            <a:off x="14482355" y="5489396"/>
-            <a:ext cx="7620000" cy="6743700"/>
-          </a:xfrm>
-          <a:prstGeom prst="rect">
-            <a:avLst/>
-          </a:prstGeom>
-        </p:spPr>
-      </p:pic>
       <p:sp>
         <p:nvSpPr>
           <p:cNvPr id="8" name="Textfeld 7">
@@ -18335,8 +18489,8 @@
         </p:nvSpPr>
         <p:spPr>
           <a:xfrm>
-            <a:off x="2951798" y="2609631"/>
-            <a:ext cx="11092814" cy="923330"/>
+            <a:off x="2083673" y="2100732"/>
+            <a:ext cx="5830443" cy="3693319"/>
           </a:xfrm>
           <a:prstGeom prst="rect">
             <a:avLst/>
@@ -18351,35 +18505,83 @@
           <a:p>
             <a:r>
               <a:rPr lang="en-US" dirty="0"/>
-              <a:t>Paper </a:t>
-            </a:r>
-            <a:r>
-              <a:rPr lang="en-US" dirty="0" err="1"/>
-              <a:t>aus</a:t>
-            </a:r>
-            <a:r>
+              <a:t>Particulate air pollution, birth outcomes, and infant mortality: Evidence from Japan’s automobile emission control law of 1992 </a:t>
+            </a:r>
+            <a:br>
               <a:rPr lang="en-US" dirty="0"/>
-              <a:t> </a:t>
-            </a:r>
-            <a:r>
-              <a:rPr lang="en-US" dirty="0" err="1"/>
-              <a:t>Whatsapp</a:t>
-            </a:r>
-            <a:endParaRPr lang="en-US" dirty="0"/>
-          </a:p>
-          <a:p>
-            <a:endParaRPr lang="en-US" dirty="0"/>
-          </a:p>
-          <a:p>
-            <a:r>
-              <a:rPr lang="en-US" dirty="0">
-                <a:hlinkClick r:id="rId4"/>
-              </a:rPr>
-              <a:t>https://www.sciencedirect.com/science/article/pii/S1361920922001213</a:t>
-            </a:r>
+            </a:br>
+            <a:r>
+              <a:rPr lang="en-US" i="1" dirty="0"/>
+              <a:t>Inoue, </a:t>
+            </a:r>
+            <a:r>
+              <a:rPr lang="en-US" i="1" dirty="0" err="1"/>
+              <a:t>Nunokawa</a:t>
+            </a:r>
+            <a:r>
+              <a:rPr lang="en-US" i="1" dirty="0"/>
+              <a:t>, </a:t>
+            </a:r>
+            <a:r>
+              <a:rPr lang="en-US" i="1" dirty="0" err="1"/>
+              <a:t>Kurisu</a:t>
+            </a:r>
+            <a:r>
+              <a:rPr lang="en-US" i="1" dirty="0"/>
+              <a:t>, and Ogasawara (2020)</a:t>
+            </a:r>
+          </a:p>
+          <a:p>
+            <a:endParaRPr lang="en-US" i="1" dirty="0"/>
+          </a:p>
+          <a:p>
+            <a:pPr marL="285750" indent="-285750">
+              <a:buFont typeface="Arial" panose="020B0604020202020204" pitchFamily="34" charset="0"/>
+              <a:buChar char="•"/>
+            </a:pPr>
             <a:r>
               <a:rPr lang="en-US" dirty="0"/>
-              <a:t> </a:t>
+              <a:t>Investigates the impacts of the Automobile NOx Law of 1992 on ambient air pollutants and fetal and infant health outcomes in Japan. </a:t>
+            </a:r>
+          </a:p>
+          <a:p>
+            <a:pPr marL="285750" indent="-285750">
+              <a:buFont typeface="Arial" panose="020B0604020202020204" pitchFamily="34" charset="0"/>
+              <a:buChar char="•"/>
+            </a:pPr>
+            <a:r>
+              <a:rPr lang="en-US" dirty="0"/>
+              <a:t>NOx and SO2 levels reduced by 5% and 11%</a:t>
+            </a:r>
+          </a:p>
+          <a:p>
+            <a:pPr marL="285750" indent="-285750">
+              <a:buFont typeface="Arial" panose="020B0604020202020204" pitchFamily="34" charset="0"/>
+              <a:buChar char="•"/>
+            </a:pPr>
+            <a:r>
+              <a:rPr lang="en-US" dirty="0"/>
+              <a:t>Fixed effects model in the spirit of the DID approach</a:t>
+            </a:r>
+          </a:p>
+          <a:p>
+            <a:pPr marL="285750" indent="-285750">
+              <a:buFont typeface="Arial" panose="020B0604020202020204" pitchFamily="34" charset="0"/>
+              <a:buChar char="•"/>
+            </a:pPr>
+            <a:r>
+              <a:rPr lang="en-US" dirty="0"/>
+              <a:t>196 municipalities as treatment group; remaining 194 municipalities in the non-regulated area are</a:t>
+            </a:r>
+          </a:p>
+          <a:p>
+            <a:pPr marL="285750" indent="-285750">
+              <a:buFont typeface="Arial" panose="020B0604020202020204" pitchFamily="34" charset="0"/>
+              <a:buChar char="•"/>
+            </a:pPr>
+            <a:r>
+              <a:rPr lang="en-US" dirty="0"/>
+              <a:t>used as the control group</a:t>
             </a:r>
           </a:p>
         </p:txBody>
@@ -18445,295 +18647,165 @@
           </a:p>
         </p:txBody>
       </p:sp>
-      <p:sp>
-        <p:nvSpPr>
-          <p:cNvPr id="15" name="Textfeld 14">
+      <p:grpSp>
+        <p:nvGrpSpPr>
+          <p:cNvPr id="19" name="Gruppieren 18">
             <a:extLst>
               <a:ext uri="{FF2B5EF4-FFF2-40B4-BE49-F238E27FC236}">
-                <a16:creationId xmlns:a16="http://schemas.microsoft.com/office/drawing/2014/main" id="{DED41F71-0031-7AD2-350D-6B9B17EDA37C}"/>
+                <a16:creationId xmlns:a16="http://schemas.microsoft.com/office/drawing/2014/main" id="{81A64506-8A2B-7BD1-1D52-33B833D5C1B2}"/>
               </a:ext>
             </a:extLst>
           </p:cNvPr>
-          <p:cNvSpPr txBox="1"/>
+          <p:cNvGrpSpPr/>
           <p:nvPr/>
-        </p:nvSpPr>
-        <p:spPr>
+        </p:nvGrpSpPr>
+        <p:grpSpPr>
           <a:xfrm>
-            <a:off x="8647043" y="158374"/>
-            <a:ext cx="3544957" cy="1477328"/>
+            <a:off x="7990315" y="2107785"/>
+            <a:ext cx="3817371" cy="4442366"/>
+            <a:chOff x="7976814" y="2613939"/>
+            <a:chExt cx="3161584" cy="3679211"/>
           </a:xfrm>
-          <a:prstGeom prst="rect">
-            <a:avLst/>
-          </a:prstGeom>
-          <a:noFill/>
-        </p:spPr>
-        <p:txBody>
-          <a:bodyPr wrap="square">
-            <a:spAutoFit/>
-          </a:bodyPr>
-          <a:lstStyle/>
-          <a:p>
-            <a:r>
-              <a:rPr lang="de-DE" dirty="0"/>
-              <a:t>6. </a:t>
-            </a:r>
-            <a:r>
-              <a:rPr lang="de-DE" err="1"/>
-              <a:t>Conclusion</a:t>
-            </a:r>
-            <a:r>
-              <a:rPr lang="de-DE" dirty="0"/>
-              <a:t> • Replication </a:t>
-            </a:r>
-            <a:r>
-              <a:rPr lang="de-DE" dirty="0" err="1"/>
-              <a:t>of</a:t>
-            </a:r>
-            <a:r>
-              <a:rPr lang="de-DE" dirty="0"/>
-              <a:t> a </a:t>
-            </a:r>
-            <a:r>
-              <a:rPr lang="de-DE" dirty="0" err="1"/>
-              <a:t>research</a:t>
-            </a:r>
-            <a:r>
-              <a:rPr lang="de-DE" dirty="0"/>
-              <a:t> </a:t>
-            </a:r>
-            <a:r>
-              <a:rPr lang="de-DE" dirty="0" err="1"/>
-              <a:t>paper</a:t>
-            </a:r>
-            <a:r>
-              <a:rPr lang="de-DE" dirty="0"/>
-              <a:t>: </a:t>
-            </a:r>
-            <a:r>
-              <a:rPr lang="de-DE" dirty="0" err="1"/>
-              <a:t>How</a:t>
-            </a:r>
-            <a:r>
-              <a:rPr lang="de-DE" dirty="0"/>
-              <a:t> do </a:t>
-            </a:r>
-            <a:r>
-              <a:rPr lang="de-DE" dirty="0" err="1"/>
-              <a:t>results</a:t>
-            </a:r>
-            <a:r>
-              <a:rPr lang="de-DE" dirty="0"/>
-              <a:t> </a:t>
-            </a:r>
-            <a:r>
-              <a:rPr lang="de-DE" dirty="0" err="1"/>
-              <a:t>compare</a:t>
-            </a:r>
-            <a:r>
-              <a:rPr lang="de-DE" dirty="0"/>
-              <a:t> </a:t>
-            </a:r>
-            <a:r>
-              <a:rPr lang="de-DE" dirty="0" err="1"/>
-              <a:t>to</a:t>
-            </a:r>
-            <a:r>
-              <a:rPr lang="de-DE" dirty="0"/>
-              <a:t> </a:t>
-            </a:r>
-            <a:r>
-              <a:rPr lang="de-DE" dirty="0" err="1"/>
-              <a:t>results</a:t>
-            </a:r>
-            <a:r>
-              <a:rPr lang="de-DE" dirty="0"/>
-              <a:t> </a:t>
-            </a:r>
-            <a:r>
-              <a:rPr lang="de-DE" dirty="0" err="1"/>
-              <a:t>of</a:t>
-            </a:r>
-            <a:r>
-              <a:rPr lang="de-DE" dirty="0"/>
-              <a:t> </a:t>
-            </a:r>
-            <a:r>
-              <a:rPr lang="de-DE" dirty="0" err="1"/>
-              <a:t>research</a:t>
-            </a:r>
-            <a:r>
-              <a:rPr lang="de-DE" dirty="0"/>
-              <a:t> </a:t>
-            </a:r>
-            <a:r>
-              <a:rPr lang="de-DE" dirty="0" err="1"/>
-              <a:t>paper</a:t>
-            </a:r>
-            <a:r>
-              <a:rPr lang="de-DE" dirty="0"/>
-              <a:t>? • Analysis </a:t>
-            </a:r>
-            <a:r>
-              <a:rPr lang="de-DE" dirty="0" err="1"/>
-              <a:t>of</a:t>
-            </a:r>
-            <a:r>
-              <a:rPr lang="de-DE" dirty="0"/>
-              <a:t> </a:t>
-            </a:r>
-            <a:r>
-              <a:rPr lang="de-DE" dirty="0" err="1"/>
-              <a:t>new</a:t>
-            </a:r>
-            <a:r>
-              <a:rPr lang="de-DE" dirty="0"/>
-              <a:t> </a:t>
-            </a:r>
-            <a:r>
-              <a:rPr lang="de-DE" dirty="0" err="1"/>
-              <a:t>data</a:t>
-            </a:r>
-            <a:r>
-              <a:rPr lang="de-DE" dirty="0"/>
-              <a:t>: Are </a:t>
-            </a:r>
-            <a:r>
-              <a:rPr lang="de-DE" dirty="0" err="1"/>
-              <a:t>ther</a:t>
-            </a:r>
-            <a:endParaRPr lang="de-US" dirty="0"/>
-          </a:p>
-        </p:txBody>
-      </p:sp>
-      <p:sp>
-        <p:nvSpPr>
-          <p:cNvPr id="5" name="Rechteck 4">
+        </p:grpSpPr>
+        <p:grpSp>
+          <p:nvGrpSpPr>
+            <p:cNvPr id="17" name="Gruppieren 16">
+              <a:extLst>
+                <a:ext uri="{FF2B5EF4-FFF2-40B4-BE49-F238E27FC236}">
+                  <a16:creationId xmlns:a16="http://schemas.microsoft.com/office/drawing/2014/main" id="{13842BFB-E9C0-2A28-F60E-FBE0A68B271D}"/>
+                </a:ext>
+              </a:extLst>
+            </p:cNvPr>
+            <p:cNvGrpSpPr/>
+            <p:nvPr/>
+          </p:nvGrpSpPr>
+          <p:grpSpPr>
+            <a:xfrm>
+              <a:off x="7976814" y="2613939"/>
+              <a:ext cx="3155011" cy="3679211"/>
+              <a:chOff x="7614048" y="2793117"/>
+              <a:chExt cx="2025039" cy="2361496"/>
+            </a:xfrm>
+          </p:grpSpPr>
+          <p:pic>
+            <p:nvPicPr>
+              <p:cNvPr id="14" name="Grafik 13" descr="Ein Bild, das Tisch enthält.&#10;&#10;Automatisch generierte Beschreibung">
+                <a:extLst>
+                  <a:ext uri="{FF2B5EF4-FFF2-40B4-BE49-F238E27FC236}">
+                    <a16:creationId xmlns:a16="http://schemas.microsoft.com/office/drawing/2014/main" id="{9C8B1448-F076-9128-2299-94CC910B8432}"/>
+                  </a:ext>
+                </a:extLst>
+              </p:cNvPr>
+              <p:cNvPicPr>
+                <a:picLocks noChangeAspect="1"/>
+              </p:cNvPicPr>
+              <p:nvPr/>
+            </p:nvPicPr>
+            <p:blipFill rotWithShape="1">
+              <a:blip r:embed="rId3"/>
+              <a:srcRect r="86585"/>
+              <a:stretch/>
+            </p:blipFill>
+            <p:spPr>
+              <a:xfrm>
+                <a:off x="7614048" y="2793117"/>
+                <a:ext cx="1042670" cy="2361495"/>
+              </a:xfrm>
+              <a:prstGeom prst="rect">
+                <a:avLst/>
+              </a:prstGeom>
+            </p:spPr>
+          </p:pic>
+          <p:pic>
+            <p:nvPicPr>
+              <p:cNvPr id="16" name="Grafik 15" descr="Ein Bild, das Tisch enthält.&#10;&#10;Automatisch generierte Beschreibung">
+                <a:extLst>
+                  <a:ext uri="{FF2B5EF4-FFF2-40B4-BE49-F238E27FC236}">
+                    <a16:creationId xmlns:a16="http://schemas.microsoft.com/office/drawing/2014/main" id="{46B9E0C8-AB01-8620-6EAF-CC8E4E609985}"/>
+                  </a:ext>
+                </a:extLst>
+              </p:cNvPr>
+              <p:cNvPicPr>
+                <a:picLocks noChangeAspect="1"/>
+              </p:cNvPicPr>
+              <p:nvPr/>
+            </p:nvPicPr>
+            <p:blipFill rotWithShape="1">
+              <a:blip r:embed="rId3"/>
+              <a:srcRect l="56160" r="31289"/>
+              <a:stretch/>
+            </p:blipFill>
+            <p:spPr>
+              <a:xfrm>
+                <a:off x="8663576" y="2793118"/>
+                <a:ext cx="975511" cy="2361495"/>
+              </a:xfrm>
+              <a:prstGeom prst="rect">
+                <a:avLst/>
+              </a:prstGeom>
+            </p:spPr>
+          </p:pic>
+        </p:grpSp>
+        <p:pic>
+          <p:nvPicPr>
+            <p:cNvPr id="18" name="Grafik 17" descr="Ein Bild, das Tisch enthält.&#10;&#10;Automatisch generierte Beschreibung">
+              <a:extLst>
+                <a:ext uri="{FF2B5EF4-FFF2-40B4-BE49-F238E27FC236}">
+                  <a16:creationId xmlns:a16="http://schemas.microsoft.com/office/drawing/2014/main" id="{D380185E-B26F-018D-F380-FC03DEF2FA59}"/>
+                </a:ext>
+              </a:extLst>
+            </p:cNvPr>
+            <p:cNvPicPr>
+              <a:picLocks noChangeAspect="1"/>
+            </p:cNvPicPr>
+            <p:nvPr/>
+          </p:nvPicPr>
+          <p:blipFill rotWithShape="1">
+            <a:blip r:embed="rId3"/>
+            <a:srcRect r="64164" b="85304"/>
+            <a:stretch/>
+          </p:blipFill>
+          <p:spPr>
+            <a:xfrm>
+              <a:off x="7976814" y="2755404"/>
+              <a:ext cx="3161584" cy="425117"/>
+            </a:xfrm>
+            <a:prstGeom prst="rect">
+              <a:avLst/>
+            </a:prstGeom>
+          </p:spPr>
+        </p:pic>
+      </p:grpSp>
+      <p:pic>
+        <p:nvPicPr>
+          <p:cNvPr id="21" name="Grafik 20">
             <a:extLst>
               <a:ext uri="{FF2B5EF4-FFF2-40B4-BE49-F238E27FC236}">
-                <a16:creationId xmlns:a16="http://schemas.microsoft.com/office/drawing/2014/main" id="{2B899323-BC25-BE41-746E-B7CE27CAD697}"/>
+                <a16:creationId xmlns:a16="http://schemas.microsoft.com/office/drawing/2014/main" id="{323E6679-7FD0-55F7-3194-FB14ECA43738}"/>
               </a:ext>
             </a:extLst>
           </p:cNvPr>
-          <p:cNvSpPr/>
+          <p:cNvPicPr>
+            <a:picLocks noChangeAspect="1"/>
+          </p:cNvPicPr>
           <p:nvPr/>
-        </p:nvSpPr>
+        </p:nvPicPr>
+        <p:blipFill>
+          <a:blip r:embed="rId4"/>
+          <a:stretch>
+            <a:fillRect/>
+          </a:stretch>
+        </p:blipFill>
         <p:spPr>
           <a:xfrm>
-            <a:off x="6437884" y="2898843"/>
-            <a:ext cx="3639971" cy="1303506"/>
+            <a:off x="2176781" y="5864061"/>
+            <a:ext cx="5067300" cy="622300"/>
           </a:xfrm>
           <a:prstGeom prst="rect">
             <a:avLst/>
           </a:prstGeom>
         </p:spPr>
-        <p:style>
-          <a:lnRef idx="2">
-            <a:schemeClr val="accent1">
-              <a:shade val="50000"/>
-            </a:schemeClr>
-          </a:lnRef>
-          <a:fillRef idx="1">
-            <a:schemeClr val="accent1"/>
-          </a:fillRef>
-          <a:effectRef idx="0">
-            <a:schemeClr val="accent1"/>
-          </a:effectRef>
-          <a:fontRef idx="minor">
-            <a:schemeClr val="lt1"/>
-          </a:fontRef>
-        </p:style>
-        <p:txBody>
-          <a:bodyPr rtlCol="0" anchor="ctr"/>
-          <a:lstStyle/>
-          <a:p>
-            <a:pPr marL="285750" indent="-285750">
-              <a:buFont typeface="Arial" panose="020B0604020202020204" pitchFamily="34" charset="0"/>
-              <a:buChar char="•"/>
-            </a:pPr>
-            <a:r>
-              <a:rPr lang="de-DE" dirty="0">
-                <a:latin typeface="Barlow" pitchFamily="2" charset="77"/>
-              </a:rPr>
-              <a:t>Paper </a:t>
-            </a:r>
-            <a:r>
-              <a:rPr lang="de-DE" dirty="0" err="1">
-                <a:latin typeface="Barlow" pitchFamily="2" charset="77"/>
-              </a:rPr>
-              <a:t>seems</a:t>
-            </a:r>
-            <a:r>
-              <a:rPr lang="de-DE" dirty="0">
-                <a:latin typeface="Barlow" pitchFamily="2" charset="77"/>
-              </a:rPr>
-              <a:t> not </a:t>
-            </a:r>
-            <a:r>
-              <a:rPr lang="de-DE" dirty="0" err="1">
-                <a:latin typeface="Barlow" pitchFamily="2" charset="77"/>
-              </a:rPr>
-              <a:t>to</a:t>
-            </a:r>
-            <a:r>
-              <a:rPr lang="de-DE" dirty="0">
-                <a:latin typeface="Barlow" pitchFamily="2" charset="77"/>
-              </a:rPr>
-              <a:t> </a:t>
-            </a:r>
-            <a:r>
-              <a:rPr lang="de-DE" dirty="0" err="1">
-                <a:latin typeface="Barlow" pitchFamily="2" charset="77"/>
-              </a:rPr>
-              <a:t>be</a:t>
-            </a:r>
-            <a:r>
-              <a:rPr lang="de-DE" dirty="0">
-                <a:latin typeface="Barlow" pitchFamily="2" charset="77"/>
-              </a:rPr>
-              <a:t> a </a:t>
-            </a:r>
-            <a:r>
-              <a:rPr lang="de-DE" dirty="0" err="1">
-                <a:latin typeface="Barlow" pitchFamily="2" charset="77"/>
-              </a:rPr>
-              <a:t>perfect</a:t>
-            </a:r>
-            <a:r>
-              <a:rPr lang="de-DE" dirty="0">
-                <a:latin typeface="Barlow" pitchFamily="2" charset="77"/>
-              </a:rPr>
-              <a:t> match. Find </a:t>
-            </a:r>
-            <a:r>
-              <a:rPr lang="de-DE" dirty="0" err="1">
-                <a:latin typeface="Barlow" pitchFamily="2" charset="77"/>
-              </a:rPr>
-              <a:t>another</a:t>
-            </a:r>
-            <a:r>
-              <a:rPr lang="de-DE" dirty="0">
-                <a:latin typeface="Barlow" pitchFamily="2" charset="77"/>
-              </a:rPr>
-              <a:t> </a:t>
-            </a:r>
-            <a:r>
-              <a:rPr lang="de-DE" dirty="0" err="1">
-                <a:latin typeface="Barlow" pitchFamily="2" charset="77"/>
-              </a:rPr>
-              <a:t>one</a:t>
-            </a:r>
-            <a:r>
-              <a:rPr lang="de-DE" dirty="0">
-                <a:latin typeface="Barlow" pitchFamily="2" charset="77"/>
-              </a:rPr>
-              <a:t>.</a:t>
-            </a:r>
-            <a:endParaRPr lang="de-DE" sz="1800" dirty="0">
-              <a:latin typeface="Barlow" pitchFamily="2" charset="77"/>
-            </a:endParaRPr>
-          </a:p>
-        </p:txBody>
-      </p:sp>
+      </p:pic>
     </p:spTree>
     <p:extLst>
       <p:ext uri="{BB962C8B-B14F-4D97-AF65-F5344CB8AC3E}">
@@ -23215,10 +23287,10 @@
         </p:nvGrpSpPr>
         <p:grpSpPr>
           <a:xfrm>
-            <a:off x="6487224" y="2149546"/>
-            <a:ext cx="5847689" cy="4117474"/>
-            <a:chOff x="7126905" y="2149546"/>
-            <a:chExt cx="5847689" cy="4117474"/>
+            <a:off x="6487224" y="2495912"/>
+            <a:ext cx="5847689" cy="3424742"/>
+            <a:chOff x="7126905" y="2495912"/>
+            <a:chExt cx="5847689" cy="3424742"/>
           </a:xfrm>
         </p:grpSpPr>
         <p:pic>
@@ -23237,14 +23309,13 @@
           </p:nvPicPr>
           <p:blipFill>
             <a:blip r:embed="rId3"/>
-            <a:stretch>
-              <a:fillRect/>
-            </a:stretch>
+            <a:srcRect/>
+            <a:stretch/>
           </p:blipFill>
           <p:spPr>
             <a:xfrm>
-              <a:off x="7126905" y="2149546"/>
-              <a:ext cx="5847689" cy="4117474"/>
+              <a:off x="7126905" y="2495912"/>
+              <a:ext cx="5847689" cy="3424742"/>
             </a:xfrm>
             <a:prstGeom prst="rect">
               <a:avLst/>
@@ -23265,7 +23336,7 @@
           </p:nvSpPr>
           <p:spPr>
             <a:xfrm>
-              <a:off x="8038085" y="3069480"/>
+              <a:off x="7787993" y="3151125"/>
               <a:ext cx="1537253" cy="1041157"/>
             </a:xfrm>
             <a:prstGeom prst="rect">
@@ -23332,77 +23403,9 @@
           </a:bodyPr>
           <a:lstStyle/>
           <a:p>
-            <a:r>
-              <a:rPr lang="de-DE" sz="1100" dirty="0">
-                <a:effectLst/>
-                <a:latin typeface="Barlow" pitchFamily="2" charset="77"/>
-              </a:rPr>
-              <a:t>Nishitateno and Burke (2020, p.453) </a:t>
-            </a:r>
             <a:endParaRPr lang="de-DE" sz="1100" dirty="0">
               <a:latin typeface="Barlow" pitchFamily="2" charset="77"/>
             </a:endParaRPr>
-          </a:p>
-        </p:txBody>
-      </p:sp>
-      <p:sp>
-        <p:nvSpPr>
-          <p:cNvPr id="5" name="Rechteck 4">
-            <a:extLst>
-              <a:ext uri="{FF2B5EF4-FFF2-40B4-BE49-F238E27FC236}">
-                <a16:creationId xmlns:a16="http://schemas.microsoft.com/office/drawing/2014/main" id="{254B13A2-66AC-9C6F-55C5-40568B2AFBC5}"/>
-              </a:ext>
-            </a:extLst>
-          </p:cNvPr>
-          <p:cNvSpPr/>
-          <p:nvPr/>
-        </p:nvSpPr>
-        <p:spPr>
-          <a:xfrm>
-            <a:off x="9298983" y="3192651"/>
-            <a:ext cx="2572719" cy="1689315"/>
-          </a:xfrm>
-          <a:prstGeom prst="rect">
-            <a:avLst/>
-          </a:prstGeom>
-          <a:solidFill>
-            <a:schemeClr val="accent2"/>
-          </a:solidFill>
-        </p:spPr>
-        <p:style>
-          <a:lnRef idx="2">
-            <a:schemeClr val="accent1">
-              <a:shade val="50000"/>
-            </a:schemeClr>
-          </a:lnRef>
-          <a:fillRef idx="1">
-            <a:schemeClr val="accent1"/>
-          </a:fillRef>
-          <a:effectRef idx="0">
-            <a:schemeClr val="accent1"/>
-          </a:effectRef>
-          <a:fontRef idx="minor">
-            <a:schemeClr val="lt1"/>
-          </a:fontRef>
-        </p:style>
-        <p:txBody>
-          <a:bodyPr rtlCol="0" anchor="ctr"/>
-          <a:lstStyle/>
-          <a:p>
-            <a:pPr algn="ctr"/>
-            <a:r>
-              <a:rPr lang="en-US" dirty="0" err="1"/>
-              <a:t>Grafik</a:t>
-            </a:r>
-            <a:r>
-              <a:rPr lang="en-US" dirty="0"/>
-              <a:t> </a:t>
-            </a:r>
-            <a:r>
-              <a:rPr lang="en-US" dirty="0" err="1"/>
-              <a:t>austauschen</a:t>
-            </a:r>
-            <a:endParaRPr lang="en-US" dirty="0"/>
           </a:p>
         </p:txBody>
       </p:sp>

--- a/Studer_Koch_Urban_air_quality.pptx
+++ b/Studer_Koch_Urban_air_quality.pptx
@@ -27,6 +27,13 @@
   </p:sldIdLst>
   <p:sldSz cx="12192000" cy="6858000"/>
   <p:notesSz cx="6858000" cy="9144000"/>
+  <p:custShowLst>
+    <p:custShow name="Zielpräsentation 1" id="0">
+      <p:sldLst>
+        <p:sld r:id="rId8"/>
+      </p:sldLst>
+    </p:custShow>
+  </p:custShowLst>
   <p:defaultTextStyle>
     <a:defPPr>
       <a:defRPr lang="de-US"/>
@@ -212,7 +219,7 @@
           <a:p>
             <a:fld id="{7BC0AAFF-42A0-CD4C-9F02-C233C89D652D}" type="datetimeFigureOut">
               <a:rPr lang="de-US" smtClean="0"/>
-              <a:t>3/7/23</a:t>
+              <a:t>3/12/23</a:t>
             </a:fld>
             <a:endParaRPr lang="de-US"/>
           </a:p>
@@ -524,7 +531,16 @@
           <a:bodyPr/>
           <a:lstStyle/>
           <a:p>
-            <a:endParaRPr lang="de-US"/>
+            <a:r>
+              <a:rPr lang="de-US" dirty="0"/>
+              <a:t>Welcome to our Reproducibility Study about the question if vehicle registrations improved urbain air quality in japan. </a:t>
+            </a:r>
+          </a:p>
+          <a:p>
+            <a:r>
+              <a:rPr lang="de-US" dirty="0"/>
+              <a:t>THe original study was conducted by Nidhitateno and Burke 2020. </a:t>
+            </a:r>
           </a:p>
         </p:txBody>
       </p:sp>
@@ -1490,7 +1506,21 @@
             </a:r>
             <a:r>
               <a:rPr lang="en-US" dirty="0"/>
-              <a:t> approach that the regulation led to a 5% reduction in NOx levels and an 11% reduction in SO2 levels. The treatment group consists of 196 municipalities and 194 municipalities in non-regulated areas belong to the control group. Therefore the findings of Inoue, </a:t>
+              <a:t> approach that the regulation led to a 5% reduction in NOx levels and an 11% reduction in SO2 levels. The treatment group consists of 196 </a:t>
+            </a:r>
+            <a:r>
+              <a:rPr lang="de-DE" b="0" i="0" dirty="0" err="1">
+                <a:solidFill>
+                  <a:srgbClr val="374151"/>
+                </a:solidFill>
+                <a:effectLst/>
+                <a:latin typeface="Söhne"/>
+              </a:rPr>
+              <a:t>boroughs</a:t>
+            </a:r>
+            <a:r>
+              <a:rPr lang="en-US" dirty="0"/>
+              <a:t> and 194 boroughs in non-regulated areas belong to the control group. Therefore the findings of Inoue, </a:t>
             </a:r>
             <a:r>
               <a:rPr lang="en-US" dirty="0" err="1"/>
@@ -4650,37 +4680,37 @@
                 <a:effectLst/>
                 <a:latin typeface="Söhne"/>
               </a:rPr>
-              <a:t>municipalities</a:t>
-            </a:r>
-            <a:r>
-              <a:rPr lang="de-DE" b="0" i="0" dirty="0">
-                <a:solidFill>
-                  <a:srgbClr val="374151"/>
-                </a:solidFill>
-                <a:effectLst/>
-                <a:latin typeface="Söhne"/>
-              </a:rPr>
-              <a:t> </a:t>
-            </a:r>
-            <a:r>
-              <a:rPr lang="de-DE" b="0" i="0" dirty="0" err="1">
-                <a:solidFill>
-                  <a:srgbClr val="374151"/>
-                </a:solidFill>
-                <a:effectLst/>
-                <a:latin typeface="Söhne"/>
-              </a:rPr>
-              <a:t>designated</a:t>
-            </a:r>
-            <a:r>
-              <a:rPr lang="de-DE" b="0" i="0" dirty="0">
-                <a:solidFill>
-                  <a:srgbClr val="374151"/>
-                </a:solidFill>
-                <a:effectLst/>
-                <a:latin typeface="Söhne"/>
-              </a:rPr>
-              <a:t> in 1992 and </a:t>
+              <a:t>boroughs</a:t>
+            </a:r>
+            <a:r>
+              <a:rPr lang="de-DE" b="0" i="0" dirty="0">
+                <a:solidFill>
+                  <a:srgbClr val="374151"/>
+                </a:solidFill>
+                <a:effectLst/>
+                <a:latin typeface="Söhne"/>
+              </a:rPr>
+              <a:t> </a:t>
+            </a:r>
+            <a:r>
+              <a:rPr lang="de-DE" b="0" i="0" dirty="0" err="1">
+                <a:solidFill>
+                  <a:srgbClr val="374151"/>
+                </a:solidFill>
+                <a:effectLst/>
+                <a:latin typeface="Söhne"/>
+              </a:rPr>
+              <a:t>without</a:t>
+            </a:r>
+            <a:r>
+              <a:rPr lang="de-DE" b="0" i="0" dirty="0">
+                <a:solidFill>
+                  <a:srgbClr val="374151"/>
+                </a:solidFill>
+                <a:effectLst/>
+                <a:latin typeface="Söhne"/>
+              </a:rPr>
+              <a:t> and </a:t>
             </a:r>
             <a:r>
               <a:rPr lang="de-DE" b="0" i="0" dirty="0" err="1">
@@ -4710,7 +4740,7 @@
                 <a:effectLst/>
                 <a:latin typeface="Söhne"/>
               </a:rPr>
-              <a:t>municipalities</a:t>
+              <a:t>boroughs</a:t>
             </a:r>
             <a:r>
               <a:rPr lang="de-DE" b="0" i="0" dirty="0">
@@ -4760,7 +4790,7 @@
                 <a:effectLst/>
                 <a:latin typeface="Söhne"/>
               </a:rPr>
-              <a:t> not </a:t>
+              <a:t> </a:t>
             </a:r>
             <a:r>
               <a:rPr lang="de-DE" b="0" i="0" dirty="0" err="1">
@@ -5572,17 +5602,157 @@
                 <a:effectLst/>
                 <a:latin typeface="Söhne"/>
               </a:rPr>
-              <a:t> variables, </a:t>
-            </a:r>
-            <a:r>
-              <a:rPr lang="de-DE" b="0" i="0" dirty="0" err="1">
-                <a:solidFill>
-                  <a:srgbClr val="374151"/>
-                </a:solidFill>
-                <a:effectLst/>
-                <a:latin typeface="Söhne"/>
-              </a:rPr>
-              <a:t>including</a:t>
+              <a:t> variables.</a:t>
+            </a:r>
+          </a:p>
+          <a:p>
+            <a:pPr marL="0" algn="l" rtl="0" eaLnBrk="1" fontAlgn="t" latinLnBrk="0" hangingPunct="1">
+              <a:spcBef>
+                <a:spcPts val="0"/>
+              </a:spcBef>
+              <a:spcAft>
+                <a:spcPts val="0"/>
+              </a:spcAft>
+            </a:pPr>
+            <a:r>
+              <a:rPr lang="de-DE" b="0" i="0" dirty="0">
+                <a:solidFill>
+                  <a:srgbClr val="374151"/>
+                </a:solidFill>
+                <a:effectLst/>
+                <a:latin typeface="Söhne"/>
+              </a:rPr>
+              <a:t>In </a:t>
+            </a:r>
+            <a:r>
+              <a:rPr lang="de-DE" b="0" i="0" dirty="0" err="1">
+                <a:solidFill>
+                  <a:srgbClr val="374151"/>
+                </a:solidFill>
+                <a:effectLst/>
+                <a:latin typeface="Söhne"/>
+              </a:rPr>
+              <a:t>our</a:t>
+            </a:r>
+            <a:r>
+              <a:rPr lang="de-DE" b="0" i="0" dirty="0">
+                <a:solidFill>
+                  <a:srgbClr val="374151"/>
+                </a:solidFill>
+                <a:effectLst/>
+                <a:latin typeface="Söhne"/>
+              </a:rPr>
+              <a:t> </a:t>
+            </a:r>
+            <a:r>
+              <a:rPr lang="de-DE" b="0" i="0" dirty="0" err="1">
+                <a:solidFill>
+                  <a:srgbClr val="374151"/>
+                </a:solidFill>
+                <a:effectLst/>
+                <a:latin typeface="Söhne"/>
+              </a:rPr>
+              <a:t>dataset</a:t>
+            </a:r>
+            <a:r>
+              <a:rPr lang="de-DE" b="0" i="0" dirty="0">
+                <a:solidFill>
+                  <a:srgbClr val="374151"/>
+                </a:solidFill>
+                <a:effectLst/>
+                <a:latin typeface="Söhne"/>
+              </a:rPr>
+              <a:t>, </a:t>
+            </a:r>
+            <a:r>
+              <a:rPr lang="de-DE" b="0" i="0" dirty="0" err="1">
+                <a:solidFill>
+                  <a:srgbClr val="374151"/>
+                </a:solidFill>
+                <a:effectLst/>
+                <a:latin typeface="Söhne"/>
+              </a:rPr>
+              <a:t>we</a:t>
+            </a:r>
+            <a:r>
+              <a:rPr lang="de-DE" b="0" i="0" dirty="0">
+                <a:solidFill>
+                  <a:srgbClr val="374151"/>
+                </a:solidFill>
+                <a:effectLst/>
+                <a:latin typeface="Söhne"/>
+              </a:rPr>
+              <a:t> </a:t>
+            </a:r>
+            <a:r>
+              <a:rPr lang="de-DE" b="0" i="0" dirty="0" err="1">
+                <a:solidFill>
+                  <a:srgbClr val="374151"/>
+                </a:solidFill>
+                <a:effectLst/>
+                <a:latin typeface="Söhne"/>
+              </a:rPr>
+              <a:t>have</a:t>
+            </a:r>
+            <a:r>
+              <a:rPr lang="de-DE" b="0" i="0" dirty="0">
+                <a:solidFill>
+                  <a:srgbClr val="374151"/>
+                </a:solidFill>
+                <a:effectLst/>
+                <a:latin typeface="Söhne"/>
+              </a:rPr>
+              <a:t> monitor-level NO2 </a:t>
+            </a:r>
+            <a:r>
+              <a:rPr lang="de-DE" b="0" i="0" dirty="0" err="1">
+                <a:solidFill>
+                  <a:srgbClr val="374151"/>
+                </a:solidFill>
+                <a:effectLst/>
+                <a:latin typeface="Söhne"/>
+              </a:rPr>
+              <a:t>concentration</a:t>
+            </a:r>
+            <a:r>
+              <a:rPr lang="de-DE" b="0" i="0" dirty="0">
+                <a:solidFill>
+                  <a:srgbClr val="374151"/>
+                </a:solidFill>
+                <a:effectLst/>
+                <a:latin typeface="Söhne"/>
+              </a:rPr>
+              <a:t> </a:t>
+            </a:r>
+            <a:r>
+              <a:rPr lang="de-DE" b="0" i="0" dirty="0" err="1">
+                <a:solidFill>
+                  <a:srgbClr val="374151"/>
+                </a:solidFill>
+                <a:effectLst/>
+                <a:latin typeface="Söhne"/>
+              </a:rPr>
+              <a:t>measured</a:t>
+            </a:r>
+            <a:r>
+              <a:rPr lang="de-DE" b="0" i="0" dirty="0">
+                <a:solidFill>
+                  <a:srgbClr val="374151"/>
+                </a:solidFill>
+                <a:effectLst/>
+                <a:latin typeface="Söhne"/>
+              </a:rPr>
+              <a:t> </a:t>
+            </a:r>
+            <a:r>
+              <a:rPr lang="de-DE" b="0" i="0" dirty="0" err="1">
+                <a:solidFill>
+                  <a:srgbClr val="374151"/>
+                </a:solidFill>
+                <a:effectLst/>
+                <a:latin typeface="Söhne"/>
+              </a:rPr>
+              <a:t>by</a:t>
             </a:r>
             <a:r>
               <a:rPr lang="de-DE" b="0" i="0" dirty="0">
@@ -5652,7 +5822,1118 @@
                 <a:effectLst/>
                 <a:latin typeface="Söhne"/>
               </a:rPr>
-              <a:t> ambient </a:t>
+              <a:t> and </a:t>
+            </a:r>
+            <a:r>
+              <a:rPr lang="de-DE" b="0" i="0" dirty="0" err="1">
+                <a:solidFill>
+                  <a:srgbClr val="374151"/>
+                </a:solidFill>
+                <a:effectLst/>
+                <a:latin typeface="Söhne"/>
+              </a:rPr>
+              <a:t>hourly</a:t>
+            </a:r>
+            <a:r>
+              <a:rPr lang="de-DE" b="0" i="0" dirty="0">
+                <a:solidFill>
+                  <a:srgbClr val="374151"/>
+                </a:solidFill>
+                <a:effectLst/>
+                <a:latin typeface="Söhne"/>
+              </a:rPr>
+              <a:t> maximum, </a:t>
+            </a:r>
+            <a:r>
+              <a:rPr lang="de-DE" b="0" i="0" dirty="0" err="1">
+                <a:solidFill>
+                  <a:srgbClr val="374151"/>
+                </a:solidFill>
+                <a:effectLst/>
+                <a:latin typeface="Söhne"/>
+              </a:rPr>
+              <a:t>as</a:t>
+            </a:r>
+            <a:r>
+              <a:rPr lang="de-DE" b="0" i="0" dirty="0">
+                <a:solidFill>
+                  <a:srgbClr val="374151"/>
+                </a:solidFill>
+                <a:effectLst/>
+                <a:latin typeface="Söhne"/>
+              </a:rPr>
+              <a:t> </a:t>
+            </a:r>
+            <a:r>
+              <a:rPr lang="de-DE" b="0" i="0" dirty="0" err="1">
+                <a:solidFill>
+                  <a:srgbClr val="374151"/>
+                </a:solidFill>
+                <a:effectLst/>
+                <a:latin typeface="Söhne"/>
+              </a:rPr>
+              <a:t>well</a:t>
+            </a:r>
+            <a:r>
+              <a:rPr lang="de-DE" b="0" i="0" dirty="0">
+                <a:solidFill>
+                  <a:srgbClr val="374151"/>
+                </a:solidFill>
+                <a:effectLst/>
+                <a:latin typeface="Söhne"/>
+              </a:rPr>
+              <a:t> </a:t>
+            </a:r>
+            <a:r>
+              <a:rPr lang="de-DE" b="0" i="0" dirty="0" err="1">
+                <a:solidFill>
+                  <a:srgbClr val="374151"/>
+                </a:solidFill>
+                <a:effectLst/>
+                <a:latin typeface="Söhne"/>
+              </a:rPr>
+              <a:t>as</a:t>
+            </a:r>
+            <a:r>
+              <a:rPr lang="de-DE" b="0" i="0" dirty="0">
+                <a:solidFill>
+                  <a:srgbClr val="374151"/>
+                </a:solidFill>
+                <a:effectLst/>
+                <a:latin typeface="Söhne"/>
+              </a:rPr>
+              <a:t> </a:t>
+            </a:r>
+            <a:r>
+              <a:rPr lang="de-DE" b="0" i="0" dirty="0" err="1">
+                <a:solidFill>
+                  <a:srgbClr val="374151"/>
+                </a:solidFill>
+                <a:effectLst/>
+                <a:latin typeface="Söhne"/>
+              </a:rPr>
+              <a:t>days</a:t>
+            </a:r>
+            <a:r>
+              <a:rPr lang="de-DE" b="0" i="0" dirty="0">
+                <a:solidFill>
+                  <a:srgbClr val="374151"/>
+                </a:solidFill>
+                <a:effectLst/>
+                <a:latin typeface="Söhne"/>
+              </a:rPr>
+              <a:t> </a:t>
+            </a:r>
+            <a:r>
+              <a:rPr lang="de-DE" b="0" i="0" dirty="0" err="1">
+                <a:solidFill>
+                  <a:srgbClr val="374151"/>
+                </a:solidFill>
+                <a:effectLst/>
+                <a:latin typeface="Söhne"/>
+              </a:rPr>
+              <a:t>exceeding</a:t>
+            </a:r>
+            <a:r>
+              <a:rPr lang="de-DE" b="0" i="0" dirty="0">
+                <a:solidFill>
+                  <a:srgbClr val="374151"/>
+                </a:solidFill>
+                <a:effectLst/>
+                <a:latin typeface="Söhne"/>
+              </a:rPr>
+              <a:t> national </a:t>
+            </a:r>
+            <a:r>
+              <a:rPr lang="de-DE" b="0" i="0" dirty="0" err="1">
+                <a:solidFill>
+                  <a:srgbClr val="374151"/>
+                </a:solidFill>
+                <a:effectLst/>
+                <a:latin typeface="Söhne"/>
+              </a:rPr>
+              <a:t>standards</a:t>
+            </a:r>
+            <a:r>
+              <a:rPr lang="de-DE" b="0" i="0" dirty="0">
+                <a:solidFill>
+                  <a:srgbClr val="374151"/>
+                </a:solidFill>
+                <a:effectLst/>
+                <a:latin typeface="Söhne"/>
+              </a:rPr>
+              <a:t>. </a:t>
+            </a:r>
+            <a:r>
+              <a:rPr lang="de-DE" b="0" i="0" dirty="0" err="1">
+                <a:solidFill>
+                  <a:srgbClr val="374151"/>
+                </a:solidFill>
+                <a:effectLst/>
+                <a:latin typeface="Söhne"/>
+              </a:rPr>
+              <a:t>We</a:t>
+            </a:r>
+            <a:r>
+              <a:rPr lang="de-DE" b="0" i="0" dirty="0">
+                <a:solidFill>
+                  <a:srgbClr val="374151"/>
+                </a:solidFill>
+                <a:effectLst/>
+                <a:latin typeface="Söhne"/>
+              </a:rPr>
+              <a:t> also </a:t>
+            </a:r>
+            <a:r>
+              <a:rPr lang="de-DE" b="0" i="0" dirty="0" err="1">
+                <a:solidFill>
+                  <a:srgbClr val="374151"/>
+                </a:solidFill>
+                <a:effectLst/>
+                <a:latin typeface="Söhne"/>
+              </a:rPr>
+              <a:t>have</a:t>
+            </a:r>
+            <a:r>
+              <a:rPr lang="de-DE" b="0" i="0" dirty="0">
+                <a:solidFill>
+                  <a:srgbClr val="374151"/>
+                </a:solidFill>
+                <a:effectLst/>
+                <a:latin typeface="Söhne"/>
+              </a:rPr>
+              <a:t> </a:t>
+            </a:r>
+            <a:r>
+              <a:rPr lang="de-DE" b="0" i="0" dirty="0" err="1">
+                <a:solidFill>
+                  <a:srgbClr val="374151"/>
+                </a:solidFill>
+                <a:effectLst/>
+                <a:latin typeface="Söhne"/>
+              </a:rPr>
+              <a:t>monthly</a:t>
+            </a:r>
+            <a:r>
+              <a:rPr lang="de-DE" b="0" i="0" dirty="0">
+                <a:solidFill>
+                  <a:srgbClr val="374151"/>
+                </a:solidFill>
+                <a:effectLst/>
+                <a:latin typeface="Söhne"/>
+              </a:rPr>
+              <a:t> </a:t>
+            </a:r>
+            <a:r>
+              <a:rPr lang="de-DE" b="0" i="0" dirty="0" err="1">
+                <a:solidFill>
+                  <a:srgbClr val="374151"/>
+                </a:solidFill>
+                <a:effectLst/>
+                <a:latin typeface="Söhne"/>
+              </a:rPr>
+              <a:t>mean</a:t>
+            </a:r>
+            <a:r>
+              <a:rPr lang="de-DE" b="0" i="0" dirty="0">
+                <a:solidFill>
+                  <a:srgbClr val="374151"/>
+                </a:solidFill>
+                <a:effectLst/>
+                <a:latin typeface="Söhne"/>
+              </a:rPr>
+              <a:t> </a:t>
+            </a:r>
+            <a:r>
+              <a:rPr lang="de-DE" b="0" i="0" dirty="0" err="1">
+                <a:solidFill>
+                  <a:srgbClr val="374151"/>
+                </a:solidFill>
+                <a:effectLst/>
+                <a:latin typeface="Söhne"/>
+              </a:rPr>
+              <a:t>temperature</a:t>
+            </a:r>
+            <a:r>
+              <a:rPr lang="de-DE" b="0" i="0" dirty="0">
+                <a:solidFill>
+                  <a:srgbClr val="374151"/>
+                </a:solidFill>
+                <a:effectLst/>
+                <a:latin typeface="Söhne"/>
+              </a:rPr>
+              <a:t>, total </a:t>
+            </a:r>
+            <a:r>
+              <a:rPr lang="de-DE" b="0" i="0" dirty="0" err="1">
+                <a:solidFill>
+                  <a:srgbClr val="374151"/>
+                </a:solidFill>
+                <a:effectLst/>
+                <a:latin typeface="Söhne"/>
+              </a:rPr>
+              <a:t>precipitation</a:t>
+            </a:r>
+            <a:r>
+              <a:rPr lang="de-DE" b="0" i="0" dirty="0">
+                <a:solidFill>
+                  <a:srgbClr val="374151"/>
+                </a:solidFill>
+                <a:effectLst/>
+                <a:latin typeface="Söhne"/>
+              </a:rPr>
+              <a:t>, wind </a:t>
+            </a:r>
+            <a:r>
+              <a:rPr lang="de-DE" b="0" i="0" dirty="0" err="1">
+                <a:solidFill>
+                  <a:srgbClr val="374151"/>
+                </a:solidFill>
+                <a:effectLst/>
+                <a:latin typeface="Söhne"/>
+              </a:rPr>
+              <a:t>velocity</a:t>
+            </a:r>
+            <a:r>
+              <a:rPr lang="de-DE" b="0" i="0" dirty="0">
+                <a:solidFill>
+                  <a:srgbClr val="374151"/>
+                </a:solidFill>
+                <a:effectLst/>
+                <a:latin typeface="Söhne"/>
+              </a:rPr>
+              <a:t>, </a:t>
+            </a:r>
+            <a:r>
+              <a:rPr lang="de-DE" b="0" i="0" dirty="0" err="1">
+                <a:solidFill>
+                  <a:srgbClr val="374151"/>
+                </a:solidFill>
+                <a:effectLst/>
+                <a:latin typeface="Söhne"/>
+              </a:rPr>
+              <a:t>daylight</a:t>
+            </a:r>
+            <a:r>
+              <a:rPr lang="de-DE" b="0" i="0" dirty="0">
+                <a:solidFill>
+                  <a:srgbClr val="374151"/>
+                </a:solidFill>
+                <a:effectLst/>
+                <a:latin typeface="Söhne"/>
+              </a:rPr>
+              <a:t> </a:t>
+            </a:r>
+            <a:r>
+              <a:rPr lang="de-DE" b="0" i="0" dirty="0" err="1">
+                <a:solidFill>
+                  <a:srgbClr val="374151"/>
+                </a:solidFill>
+                <a:effectLst/>
+                <a:latin typeface="Söhne"/>
+              </a:rPr>
+              <a:t>duration</a:t>
+            </a:r>
+            <a:r>
+              <a:rPr lang="de-DE" b="0" i="0" dirty="0">
+                <a:solidFill>
+                  <a:srgbClr val="374151"/>
+                </a:solidFill>
+                <a:effectLst/>
+                <a:latin typeface="Söhne"/>
+              </a:rPr>
+              <a:t>, </a:t>
+            </a:r>
+            <a:r>
+              <a:rPr lang="de-DE" b="0" i="0" dirty="0" err="1">
+                <a:solidFill>
+                  <a:srgbClr val="374151"/>
+                </a:solidFill>
+                <a:effectLst/>
+                <a:latin typeface="Söhne"/>
+              </a:rPr>
+              <a:t>snowfall</a:t>
+            </a:r>
+            <a:r>
+              <a:rPr lang="de-DE" b="0" i="0" dirty="0">
+                <a:solidFill>
+                  <a:srgbClr val="374151"/>
+                </a:solidFill>
+                <a:effectLst/>
+                <a:latin typeface="Söhne"/>
+              </a:rPr>
+              <a:t>, and </a:t>
+            </a:r>
+            <a:r>
+              <a:rPr lang="de-DE" b="0" i="0" dirty="0" err="1">
+                <a:solidFill>
+                  <a:srgbClr val="374151"/>
+                </a:solidFill>
+                <a:effectLst/>
+                <a:latin typeface="Söhne"/>
+              </a:rPr>
+              <a:t>cloud</a:t>
+            </a:r>
+            <a:r>
+              <a:rPr lang="de-DE" b="0" i="0" dirty="0">
+                <a:solidFill>
+                  <a:srgbClr val="374151"/>
+                </a:solidFill>
+                <a:effectLst/>
+                <a:latin typeface="Söhne"/>
+              </a:rPr>
+              <a:t> </a:t>
+            </a:r>
+            <a:r>
+              <a:rPr lang="de-DE" b="0" i="0" dirty="0" err="1">
+                <a:solidFill>
+                  <a:srgbClr val="374151"/>
+                </a:solidFill>
+                <a:effectLst/>
+                <a:latin typeface="Söhne"/>
+              </a:rPr>
+              <a:t>cover</a:t>
+            </a:r>
+            <a:r>
+              <a:rPr lang="de-DE" b="0" i="0" dirty="0">
+                <a:solidFill>
+                  <a:srgbClr val="374151"/>
+                </a:solidFill>
+                <a:effectLst/>
+                <a:latin typeface="Söhne"/>
+              </a:rPr>
+              <a:t>. </a:t>
+            </a:r>
+            <a:r>
+              <a:rPr lang="de-DE" b="0" i="0" dirty="0" err="1">
+                <a:solidFill>
+                  <a:srgbClr val="374151"/>
+                </a:solidFill>
+                <a:effectLst/>
+                <a:latin typeface="Söhne"/>
+              </a:rPr>
+              <a:t>There</a:t>
+            </a:r>
+            <a:r>
+              <a:rPr lang="de-DE" b="0" i="0" dirty="0">
+                <a:solidFill>
+                  <a:srgbClr val="374151"/>
+                </a:solidFill>
+                <a:effectLst/>
+                <a:latin typeface="Söhne"/>
+              </a:rPr>
+              <a:t> </a:t>
+            </a:r>
+            <a:r>
+              <a:rPr lang="de-DE" b="0" i="0" dirty="0" err="1">
+                <a:solidFill>
+                  <a:srgbClr val="374151"/>
+                </a:solidFill>
+                <a:effectLst/>
+                <a:latin typeface="Söhne"/>
+              </a:rPr>
+              <a:t>is</a:t>
+            </a:r>
+            <a:r>
+              <a:rPr lang="de-DE" b="0" i="0" dirty="0">
+                <a:solidFill>
+                  <a:srgbClr val="374151"/>
+                </a:solidFill>
+                <a:effectLst/>
+                <a:latin typeface="Söhne"/>
+              </a:rPr>
+              <a:t> a time-</a:t>
+            </a:r>
+            <a:r>
+              <a:rPr lang="de-DE" b="0" i="0" dirty="0" err="1">
+                <a:solidFill>
+                  <a:srgbClr val="374151"/>
+                </a:solidFill>
+                <a:effectLst/>
+                <a:latin typeface="Söhne"/>
+              </a:rPr>
+              <a:t>varying</a:t>
+            </a:r>
+            <a:r>
+              <a:rPr lang="de-DE" b="0" i="0" dirty="0">
+                <a:solidFill>
+                  <a:srgbClr val="374151"/>
+                </a:solidFill>
+                <a:effectLst/>
+                <a:latin typeface="Söhne"/>
+              </a:rPr>
+              <a:t> </a:t>
+            </a:r>
+            <a:r>
+              <a:rPr lang="de-DE" b="0" i="0" dirty="0" err="1">
+                <a:solidFill>
+                  <a:srgbClr val="374151"/>
+                </a:solidFill>
+                <a:effectLst/>
+                <a:latin typeface="Söhne"/>
+              </a:rPr>
+              <a:t>dummy</a:t>
+            </a:r>
+            <a:r>
+              <a:rPr lang="de-DE" b="0" i="0" dirty="0">
+                <a:solidFill>
+                  <a:srgbClr val="374151"/>
+                </a:solidFill>
+                <a:effectLst/>
+                <a:latin typeface="Söhne"/>
+              </a:rPr>
+              <a:t> variable </a:t>
+            </a:r>
+            <a:r>
+              <a:rPr lang="de-DE" b="0" i="0" dirty="0" err="1">
+                <a:solidFill>
+                  <a:srgbClr val="374151"/>
+                </a:solidFill>
+                <a:effectLst/>
+                <a:latin typeface="Söhne"/>
+              </a:rPr>
+              <a:t>for</a:t>
+            </a:r>
+            <a:r>
+              <a:rPr lang="de-DE" b="0" i="0" dirty="0">
+                <a:solidFill>
+                  <a:srgbClr val="374151"/>
+                </a:solidFill>
+                <a:effectLst/>
+                <a:latin typeface="Söhne"/>
+              </a:rPr>
+              <a:t> </a:t>
+            </a:r>
+            <a:r>
+              <a:rPr lang="de-DE" b="0" i="0" dirty="0" err="1">
+                <a:solidFill>
+                  <a:srgbClr val="374151"/>
+                </a:solidFill>
+                <a:effectLst/>
+                <a:latin typeface="Söhne"/>
+              </a:rPr>
+              <a:t>treatment</a:t>
+            </a:r>
+            <a:r>
+              <a:rPr lang="de-DE" b="0" i="0" dirty="0">
+                <a:solidFill>
+                  <a:srgbClr val="374151"/>
+                </a:solidFill>
+                <a:effectLst/>
+                <a:latin typeface="Söhne"/>
+              </a:rPr>
+              <a:t> </a:t>
+            </a:r>
+            <a:r>
+              <a:rPr lang="de-DE" b="0" i="0" dirty="0" err="1">
+                <a:solidFill>
+                  <a:srgbClr val="374151"/>
+                </a:solidFill>
+                <a:effectLst/>
+                <a:latin typeface="Söhne"/>
+              </a:rPr>
+              <a:t>effects</a:t>
+            </a:r>
+            <a:r>
+              <a:rPr lang="de-DE" b="0" i="0" dirty="0">
+                <a:solidFill>
+                  <a:srgbClr val="374151"/>
+                </a:solidFill>
+                <a:effectLst/>
+                <a:latin typeface="Söhne"/>
+              </a:rPr>
+              <a:t> and </a:t>
+            </a:r>
+            <a:r>
+              <a:rPr lang="de-DE" b="0" i="0" dirty="0" err="1">
+                <a:solidFill>
+                  <a:srgbClr val="374151"/>
+                </a:solidFill>
+                <a:effectLst/>
+                <a:latin typeface="Söhne"/>
+              </a:rPr>
+              <a:t>the</a:t>
+            </a:r>
+            <a:r>
+              <a:rPr lang="de-DE" b="0" i="0" dirty="0">
+                <a:solidFill>
+                  <a:srgbClr val="374151"/>
+                </a:solidFill>
+                <a:effectLst/>
+                <a:latin typeface="Söhne"/>
+              </a:rPr>
+              <a:t> absolute </a:t>
+            </a:r>
+            <a:r>
+              <a:rPr lang="de-DE" b="0" i="0" dirty="0" err="1">
+                <a:solidFill>
+                  <a:srgbClr val="374151"/>
+                </a:solidFill>
+                <a:effectLst/>
+                <a:latin typeface="Söhne"/>
+              </a:rPr>
+              <a:t>number</a:t>
+            </a:r>
+            <a:r>
+              <a:rPr lang="de-DE" b="0" i="0" dirty="0">
+                <a:solidFill>
+                  <a:srgbClr val="374151"/>
+                </a:solidFill>
+                <a:effectLst/>
+                <a:latin typeface="Söhne"/>
+              </a:rPr>
+              <a:t> </a:t>
+            </a:r>
+            <a:r>
+              <a:rPr lang="de-DE" b="0" i="0" dirty="0" err="1">
+                <a:solidFill>
+                  <a:srgbClr val="374151"/>
+                </a:solidFill>
+                <a:effectLst/>
+                <a:latin typeface="Söhne"/>
+              </a:rPr>
+              <a:t>of</a:t>
+            </a:r>
+            <a:r>
+              <a:rPr lang="de-DE" b="0" i="0" dirty="0">
+                <a:solidFill>
+                  <a:srgbClr val="374151"/>
+                </a:solidFill>
+                <a:effectLst/>
+                <a:latin typeface="Söhne"/>
+              </a:rPr>
+              <a:t> </a:t>
+            </a:r>
+            <a:r>
+              <a:rPr lang="de-DE" b="0" i="0" dirty="0" err="1">
+                <a:solidFill>
+                  <a:srgbClr val="374151"/>
+                </a:solidFill>
+                <a:effectLst/>
+                <a:latin typeface="Söhne"/>
+              </a:rPr>
+              <a:t>months</a:t>
+            </a:r>
+            <a:r>
+              <a:rPr lang="de-DE" b="0" i="0" dirty="0">
+                <a:solidFill>
+                  <a:srgbClr val="374151"/>
+                </a:solidFill>
+                <a:effectLst/>
+                <a:latin typeface="Söhne"/>
+              </a:rPr>
+              <a:t>. </a:t>
+            </a:r>
+          </a:p>
+          <a:p>
+            <a:pPr marL="0" algn="l" rtl="0" eaLnBrk="1" fontAlgn="t" latinLnBrk="0" hangingPunct="1">
+              <a:spcBef>
+                <a:spcPts val="0"/>
+              </a:spcBef>
+              <a:spcAft>
+                <a:spcPts val="0"/>
+              </a:spcAft>
+            </a:pPr>
+            <a:endParaRPr lang="de-DE" b="0" i="0" dirty="0">
+              <a:solidFill>
+                <a:srgbClr val="374151"/>
+              </a:solidFill>
+              <a:effectLst/>
+              <a:latin typeface="Söhne"/>
+            </a:endParaRPr>
+          </a:p>
+          <a:p>
+            <a:pPr marL="0" algn="l" rtl="0" eaLnBrk="1" fontAlgn="t" latinLnBrk="0" hangingPunct="1">
+              <a:spcBef>
+                <a:spcPts val="0"/>
+              </a:spcBef>
+              <a:spcAft>
+                <a:spcPts val="0"/>
+              </a:spcAft>
+            </a:pPr>
+            <a:endParaRPr lang="de-DE" b="0" i="0" dirty="0">
+              <a:solidFill>
+                <a:srgbClr val="374151"/>
+              </a:solidFill>
+              <a:effectLst/>
+              <a:latin typeface="Söhne"/>
+            </a:endParaRPr>
+          </a:p>
+          <a:p>
+            <a:pPr marL="0" algn="l" rtl="0" eaLnBrk="1" fontAlgn="t" latinLnBrk="0" hangingPunct="1">
+              <a:spcBef>
+                <a:spcPts val="0"/>
+              </a:spcBef>
+              <a:spcAft>
+                <a:spcPts val="0"/>
+              </a:spcAft>
+            </a:pPr>
+            <a:r>
+              <a:rPr lang="de-DE" b="0" i="0" dirty="0">
+                <a:solidFill>
+                  <a:srgbClr val="374151"/>
+                </a:solidFill>
+                <a:effectLst/>
+                <a:latin typeface="Söhne"/>
+              </a:rPr>
+              <a:t>The </a:t>
+            </a:r>
+            <a:r>
+              <a:rPr lang="de-DE" b="0" i="0" dirty="0" err="1">
+                <a:solidFill>
+                  <a:srgbClr val="374151"/>
+                </a:solidFill>
+                <a:effectLst/>
+                <a:latin typeface="Söhne"/>
+              </a:rPr>
+              <a:t>mcode</a:t>
+            </a:r>
+            <a:r>
+              <a:rPr lang="de-DE" b="0" i="0" dirty="0">
+                <a:solidFill>
+                  <a:srgbClr val="374151"/>
+                </a:solidFill>
+                <a:effectLst/>
+                <a:latin typeface="Söhne"/>
+              </a:rPr>
+              <a:t> </a:t>
+            </a:r>
+            <a:r>
+              <a:rPr lang="de-DE" b="0" i="0" dirty="0" err="1">
+                <a:solidFill>
+                  <a:srgbClr val="374151"/>
+                </a:solidFill>
+                <a:effectLst/>
+                <a:latin typeface="Söhne"/>
+              </a:rPr>
+              <a:t>shos</a:t>
+            </a:r>
+            <a:r>
+              <a:rPr lang="de-DE" b="0" i="0" dirty="0">
+                <a:solidFill>
+                  <a:srgbClr val="374151"/>
+                </a:solidFill>
+                <a:effectLst/>
+                <a:latin typeface="Söhne"/>
+              </a:rPr>
+              <a:t> </a:t>
+            </a:r>
+            <a:r>
+              <a:rPr lang="de-DE" b="0" i="0" dirty="0" err="1">
+                <a:solidFill>
+                  <a:srgbClr val="374151"/>
+                </a:solidFill>
+                <a:effectLst/>
+                <a:latin typeface="Söhne"/>
+              </a:rPr>
+              <a:t>the</a:t>
+            </a:r>
+            <a:r>
+              <a:rPr lang="de-DE" b="0" i="0" dirty="0">
+                <a:solidFill>
+                  <a:srgbClr val="374151"/>
+                </a:solidFill>
+                <a:effectLst/>
+                <a:latin typeface="Söhne"/>
+              </a:rPr>
+              <a:t> </a:t>
+            </a:r>
+            <a:r>
+              <a:rPr lang="de-DE" b="0" i="0" dirty="0" err="1">
+                <a:solidFill>
+                  <a:srgbClr val="374151"/>
+                </a:solidFill>
+                <a:effectLst/>
+                <a:latin typeface="Söhne"/>
+              </a:rPr>
+              <a:t>region</a:t>
+            </a:r>
+            <a:r>
+              <a:rPr lang="de-DE" b="0" i="0" dirty="0">
+                <a:solidFill>
+                  <a:srgbClr val="374151"/>
+                </a:solidFill>
+                <a:effectLst/>
+                <a:latin typeface="Söhne"/>
+              </a:rPr>
+              <a:t> in </a:t>
+            </a:r>
+            <a:r>
+              <a:rPr lang="de-DE" b="0" i="0" dirty="0" err="1">
+                <a:solidFill>
+                  <a:srgbClr val="374151"/>
+                </a:solidFill>
+                <a:effectLst/>
+                <a:latin typeface="Söhne"/>
+              </a:rPr>
+              <a:t>japans</a:t>
+            </a:r>
+            <a:r>
+              <a:rPr lang="de-DE" b="0" i="0" dirty="0">
+                <a:solidFill>
+                  <a:srgbClr val="374151"/>
+                </a:solidFill>
+                <a:effectLst/>
+                <a:latin typeface="Söhne"/>
+              </a:rPr>
+              <a:t> and </a:t>
+            </a:r>
+            <a:r>
+              <a:rPr lang="de-DE" b="0" i="0" dirty="0" err="1">
+                <a:solidFill>
+                  <a:srgbClr val="374151"/>
+                </a:solidFill>
+                <a:effectLst/>
+                <a:latin typeface="Söhne"/>
+              </a:rPr>
+              <a:t>how</a:t>
+            </a:r>
+            <a:r>
+              <a:rPr lang="de-DE" b="0" i="0" dirty="0">
+                <a:solidFill>
+                  <a:srgbClr val="374151"/>
+                </a:solidFill>
+                <a:effectLst/>
+                <a:latin typeface="Söhne"/>
+              </a:rPr>
+              <a:t> </a:t>
+            </a:r>
+            <a:r>
+              <a:rPr lang="de-DE" b="0" i="0" dirty="0" err="1">
+                <a:solidFill>
+                  <a:srgbClr val="374151"/>
+                </a:solidFill>
+                <a:effectLst/>
+                <a:latin typeface="Söhne"/>
+              </a:rPr>
+              <a:t>they</a:t>
+            </a:r>
+            <a:r>
+              <a:rPr lang="de-DE" b="0" i="0" dirty="0">
+                <a:solidFill>
+                  <a:srgbClr val="374151"/>
+                </a:solidFill>
+                <a:effectLst/>
+                <a:latin typeface="Söhne"/>
+              </a:rPr>
+              <a:t> </a:t>
+            </a:r>
+            <a:r>
+              <a:rPr lang="de-DE" b="0" i="0" dirty="0" err="1">
+                <a:solidFill>
+                  <a:srgbClr val="374151"/>
+                </a:solidFill>
+                <a:effectLst/>
+                <a:latin typeface="Söhne"/>
+              </a:rPr>
+              <a:t>were</a:t>
+            </a:r>
+            <a:r>
+              <a:rPr lang="de-DE" b="0" i="0" dirty="0">
+                <a:solidFill>
+                  <a:srgbClr val="374151"/>
+                </a:solidFill>
+                <a:effectLst/>
+                <a:latin typeface="Söhne"/>
+              </a:rPr>
+              <a:t> </a:t>
+            </a:r>
+            <a:r>
+              <a:rPr lang="de-DE" b="0" i="0" dirty="0" err="1">
+                <a:solidFill>
+                  <a:srgbClr val="374151"/>
+                </a:solidFill>
+                <a:effectLst/>
+                <a:latin typeface="Söhne"/>
+              </a:rPr>
+              <a:t>divided</a:t>
+            </a:r>
+            <a:r>
+              <a:rPr lang="de-DE" b="0" i="0" dirty="0">
+                <a:solidFill>
+                  <a:srgbClr val="374151"/>
+                </a:solidFill>
+                <a:effectLst/>
+                <a:latin typeface="Söhne"/>
+              </a:rPr>
+              <a:t> </a:t>
+            </a:r>
+            <a:r>
+              <a:rPr lang="de-DE" b="0" i="0" dirty="0" err="1">
+                <a:solidFill>
+                  <a:srgbClr val="374151"/>
+                </a:solidFill>
+                <a:effectLst/>
+                <a:latin typeface="Söhne"/>
+              </a:rPr>
+              <a:t>into</a:t>
+            </a:r>
+            <a:r>
+              <a:rPr lang="de-DE" b="0" i="0" dirty="0">
+                <a:solidFill>
+                  <a:srgbClr val="374151"/>
+                </a:solidFill>
+                <a:effectLst/>
+                <a:latin typeface="Söhne"/>
+              </a:rPr>
+              <a:t> </a:t>
+            </a:r>
+            <a:r>
+              <a:rPr lang="de-DE" b="0" i="0" dirty="0" err="1">
+                <a:solidFill>
+                  <a:srgbClr val="374151"/>
+                </a:solidFill>
+                <a:effectLst/>
+                <a:latin typeface="Söhne"/>
+              </a:rPr>
+              <a:t>the</a:t>
+            </a:r>
+            <a:r>
+              <a:rPr lang="de-DE" b="0" i="0" dirty="0">
+                <a:solidFill>
+                  <a:srgbClr val="374151"/>
+                </a:solidFill>
+                <a:effectLst/>
+                <a:latin typeface="Söhne"/>
+              </a:rPr>
+              <a:t> </a:t>
+            </a:r>
+            <a:r>
+              <a:rPr lang="de-DE" b="0" i="0" dirty="0" err="1">
+                <a:solidFill>
+                  <a:srgbClr val="374151"/>
+                </a:solidFill>
+                <a:effectLst/>
+                <a:latin typeface="Söhne"/>
+              </a:rPr>
+              <a:t>two</a:t>
+            </a:r>
+            <a:r>
+              <a:rPr lang="de-DE" b="0" i="0" dirty="0">
+                <a:solidFill>
+                  <a:srgbClr val="374151"/>
+                </a:solidFill>
+                <a:effectLst/>
+                <a:latin typeface="Söhne"/>
+              </a:rPr>
+              <a:t> </a:t>
+            </a:r>
+            <a:r>
+              <a:rPr lang="de-DE" b="0" i="0" dirty="0" err="1">
+                <a:solidFill>
+                  <a:srgbClr val="374151"/>
+                </a:solidFill>
+                <a:effectLst/>
+                <a:latin typeface="Söhne"/>
+              </a:rPr>
+              <a:t>groups</a:t>
+            </a:r>
+            <a:r>
+              <a:rPr lang="de-DE" b="0" i="0" dirty="0">
+                <a:solidFill>
+                  <a:srgbClr val="374151"/>
+                </a:solidFill>
+                <a:effectLst/>
+                <a:latin typeface="Söhne"/>
+              </a:rPr>
+              <a:t>. Can also </a:t>
+            </a:r>
+            <a:r>
+              <a:rPr lang="de-DE" b="0" i="0" dirty="0" err="1">
+                <a:solidFill>
+                  <a:srgbClr val="374151"/>
+                </a:solidFill>
+                <a:effectLst/>
+                <a:latin typeface="Söhne"/>
+              </a:rPr>
+              <a:t>be</a:t>
+            </a:r>
+            <a:r>
+              <a:rPr lang="de-DE" b="0" i="0" dirty="0">
+                <a:solidFill>
+                  <a:srgbClr val="374151"/>
+                </a:solidFill>
+                <a:effectLst/>
+                <a:latin typeface="Söhne"/>
+              </a:rPr>
+              <a:t> </a:t>
+            </a:r>
+            <a:r>
+              <a:rPr lang="de-DE" b="0" i="0" dirty="0" err="1">
+                <a:solidFill>
+                  <a:srgbClr val="374151"/>
+                </a:solidFill>
+                <a:effectLst/>
+                <a:latin typeface="Söhne"/>
+              </a:rPr>
+              <a:t>seen</a:t>
+            </a:r>
+            <a:r>
+              <a:rPr lang="de-DE" b="0" i="0" dirty="0">
+                <a:solidFill>
+                  <a:srgbClr val="374151"/>
+                </a:solidFill>
+                <a:effectLst/>
+                <a:latin typeface="Söhne"/>
+              </a:rPr>
+              <a:t> in </a:t>
+            </a:r>
+            <a:r>
+              <a:rPr lang="de-DE" b="0" i="0" dirty="0" err="1">
+                <a:solidFill>
+                  <a:srgbClr val="374151"/>
+                </a:solidFill>
+                <a:effectLst/>
+                <a:latin typeface="Söhne"/>
+              </a:rPr>
+              <a:t>the</a:t>
+            </a:r>
+            <a:r>
+              <a:rPr lang="de-DE" b="0" i="0" dirty="0">
+                <a:solidFill>
+                  <a:srgbClr val="374151"/>
+                </a:solidFill>
+                <a:effectLst/>
+                <a:latin typeface="Söhne"/>
+              </a:rPr>
+              <a:t> </a:t>
+            </a:r>
+            <a:r>
+              <a:rPr lang="de-DE" b="0" i="0" dirty="0" err="1">
+                <a:solidFill>
+                  <a:srgbClr val="374151"/>
+                </a:solidFill>
+                <a:effectLst/>
+                <a:latin typeface="Söhne"/>
+              </a:rPr>
+              <a:t>picutre</a:t>
+            </a:r>
+            <a:r>
+              <a:rPr lang="de-DE" b="0" i="0" dirty="0">
+                <a:solidFill>
+                  <a:srgbClr val="374151"/>
+                </a:solidFill>
+                <a:effectLst/>
+                <a:latin typeface="Söhne"/>
+              </a:rPr>
+              <a:t>.</a:t>
+            </a:r>
+          </a:p>
+          <a:p>
+            <a:pPr marL="0" algn="l" rtl="0" eaLnBrk="1" fontAlgn="t" latinLnBrk="0" hangingPunct="1">
+              <a:spcBef>
+                <a:spcPts val="0"/>
+              </a:spcBef>
+              <a:spcAft>
+                <a:spcPts val="0"/>
+              </a:spcAft>
+            </a:pPr>
+            <a:endParaRPr lang="de-DE" b="0" i="0" dirty="0">
+              <a:solidFill>
+                <a:srgbClr val="374151"/>
+              </a:solidFill>
+              <a:effectLst/>
+              <a:latin typeface="Söhne"/>
+            </a:endParaRPr>
+          </a:p>
+          <a:p>
+            <a:pPr marL="0" algn="l" rtl="0" eaLnBrk="1" fontAlgn="t" latinLnBrk="0" hangingPunct="1">
+              <a:spcBef>
+                <a:spcPts val="0"/>
+              </a:spcBef>
+              <a:spcAft>
+                <a:spcPts val="0"/>
+              </a:spcAft>
+            </a:pPr>
+            <a:r>
+              <a:rPr lang="de-DE" b="0" i="0" dirty="0">
+                <a:solidFill>
+                  <a:srgbClr val="374151"/>
+                </a:solidFill>
+                <a:effectLst/>
+                <a:latin typeface="Söhne"/>
+              </a:rPr>
+              <a:t>. </a:t>
+            </a:r>
+            <a:r>
+              <a:rPr lang="de-DE" b="0" i="0" dirty="0" err="1">
+                <a:solidFill>
+                  <a:srgbClr val="374151"/>
+                </a:solidFill>
+                <a:effectLst/>
+                <a:latin typeface="Söhne"/>
+              </a:rPr>
+              <a:t>However</a:t>
+            </a:r>
+            <a:r>
+              <a:rPr lang="de-DE" b="0" i="0" dirty="0">
+                <a:solidFill>
+                  <a:srgbClr val="374151"/>
+                </a:solidFill>
+                <a:effectLst/>
+                <a:latin typeface="Söhne"/>
+              </a:rPr>
+              <a:t>, </a:t>
+            </a:r>
+            <a:r>
+              <a:rPr lang="de-DE" b="0" i="0" dirty="0" err="1">
+                <a:solidFill>
+                  <a:srgbClr val="374151"/>
+                </a:solidFill>
+                <a:effectLst/>
+                <a:latin typeface="Söhne"/>
+              </a:rPr>
+              <a:t>we</a:t>
+            </a:r>
+            <a:r>
+              <a:rPr lang="de-DE" b="0" i="0" dirty="0">
+                <a:solidFill>
+                  <a:srgbClr val="374151"/>
+                </a:solidFill>
+                <a:effectLst/>
+                <a:latin typeface="Söhne"/>
+              </a:rPr>
+              <a:t> </a:t>
+            </a:r>
+            <a:r>
+              <a:rPr lang="de-DE" b="0" i="0" dirty="0" err="1">
+                <a:solidFill>
+                  <a:srgbClr val="374151"/>
+                </a:solidFill>
+                <a:effectLst/>
+                <a:latin typeface="Söhne"/>
+              </a:rPr>
+              <a:t>are</a:t>
+            </a:r>
+            <a:r>
+              <a:rPr lang="de-DE" b="0" i="0" dirty="0">
+                <a:solidFill>
+                  <a:srgbClr val="374151"/>
+                </a:solidFill>
+                <a:effectLst/>
+                <a:latin typeface="Söhne"/>
+              </a:rPr>
+              <a:t> </a:t>
+            </a:r>
+            <a:r>
+              <a:rPr lang="de-DE" b="0" i="0" dirty="0" err="1">
+                <a:solidFill>
+                  <a:srgbClr val="374151"/>
+                </a:solidFill>
+                <a:effectLst/>
+                <a:latin typeface="Söhne"/>
+              </a:rPr>
+              <a:t>missing</a:t>
+            </a:r>
+            <a:r>
+              <a:rPr lang="de-DE" b="0" i="0" dirty="0">
+                <a:solidFill>
+                  <a:srgbClr val="374151"/>
+                </a:solidFill>
+                <a:effectLst/>
+                <a:latin typeface="Söhne"/>
+              </a:rPr>
+              <a:t> monitor-level NO2 </a:t>
             </a:r>
             <a:r>
               <a:rPr lang="de-DE" b="0" i="0" dirty="0" err="1">
@@ -5682,37 +6963,37 @@
                 <a:effectLst/>
                 <a:latin typeface="Söhne"/>
               </a:rPr>
-              <a:t>of</a:t>
-            </a:r>
-            <a:r>
-              <a:rPr lang="de-DE" b="0" i="0" dirty="0">
-                <a:solidFill>
-                  <a:srgbClr val="374151"/>
-                </a:solidFill>
-                <a:effectLst/>
-                <a:latin typeface="Söhne"/>
-              </a:rPr>
-              <a:t> NO2 (</a:t>
-            </a:r>
-            <a:r>
-              <a:rPr lang="de-DE" b="0" i="0" dirty="0" err="1">
-                <a:solidFill>
-                  <a:srgbClr val="374151"/>
-                </a:solidFill>
-                <a:effectLst/>
-                <a:latin typeface="Söhne"/>
-              </a:rPr>
-              <a:t>lnaverage_ndd</a:t>
-            </a:r>
-            <a:r>
-              <a:rPr lang="de-DE" b="0" i="0" dirty="0">
-                <a:solidFill>
-                  <a:srgbClr val="374151"/>
-                </a:solidFill>
-                <a:effectLst/>
-                <a:latin typeface="Söhne"/>
-              </a:rPr>
-              <a:t>), </a:t>
+              <a:t>measured</a:t>
+            </a:r>
+            <a:r>
+              <a:rPr lang="de-DE" b="0" i="0" dirty="0">
+                <a:solidFill>
+                  <a:srgbClr val="374151"/>
+                </a:solidFill>
+                <a:effectLst/>
+                <a:latin typeface="Söhne"/>
+              </a:rPr>
+              <a:t> </a:t>
+            </a:r>
+            <a:r>
+              <a:rPr lang="de-DE" b="0" i="0" dirty="0" err="1">
+                <a:solidFill>
+                  <a:srgbClr val="374151"/>
+                </a:solidFill>
+                <a:effectLst/>
+                <a:latin typeface="Söhne"/>
+              </a:rPr>
+              <a:t>by</a:t>
+            </a:r>
+            <a:r>
+              <a:rPr lang="de-DE" b="0" i="0" dirty="0">
+                <a:solidFill>
+                  <a:srgbClr val="374151"/>
+                </a:solidFill>
+                <a:effectLst/>
+                <a:latin typeface="Söhne"/>
+              </a:rPr>
+              <a:t> </a:t>
             </a:r>
             <a:r>
               <a:rPr lang="de-DE" b="0" i="0" dirty="0" err="1">
@@ -5742,87 +7023,47 @@
                 <a:effectLst/>
                 <a:latin typeface="Söhne"/>
               </a:rPr>
-              <a:t>monthly</a:t>
-            </a:r>
-            <a:r>
-              <a:rPr lang="de-DE" b="0" i="0" dirty="0">
-                <a:solidFill>
-                  <a:srgbClr val="374151"/>
-                </a:solidFill>
-                <a:effectLst/>
-                <a:latin typeface="Söhne"/>
-              </a:rPr>
-              <a:t> </a:t>
-            </a:r>
-            <a:r>
-              <a:rPr lang="de-DE" b="0" i="0" dirty="0" err="1">
-                <a:solidFill>
-                  <a:srgbClr val="374151"/>
-                </a:solidFill>
-                <a:effectLst/>
-                <a:latin typeface="Söhne"/>
-              </a:rPr>
-              <a:t>mean</a:t>
-            </a:r>
-            <a:r>
-              <a:rPr lang="de-DE" b="0" i="0" dirty="0">
-                <a:solidFill>
-                  <a:srgbClr val="374151"/>
-                </a:solidFill>
-                <a:effectLst/>
-                <a:latin typeface="Söhne"/>
-              </a:rPr>
-              <a:t> </a:t>
-            </a:r>
-            <a:r>
-              <a:rPr lang="de-DE" b="0" i="0" dirty="0" err="1">
-                <a:solidFill>
-                  <a:srgbClr val="374151"/>
-                </a:solidFill>
-                <a:effectLst/>
-                <a:latin typeface="Söhne"/>
-              </a:rPr>
-              <a:t>temperature</a:t>
-            </a:r>
-            <a:r>
-              <a:rPr lang="de-DE" b="0" i="0" dirty="0">
-                <a:solidFill>
-                  <a:srgbClr val="374151"/>
-                </a:solidFill>
-                <a:effectLst/>
-                <a:latin typeface="Söhne"/>
-              </a:rPr>
-              <a:t> (</a:t>
-            </a:r>
-            <a:r>
-              <a:rPr lang="de-DE" b="0" i="0" dirty="0" err="1">
-                <a:solidFill>
-                  <a:srgbClr val="374151"/>
-                </a:solidFill>
-                <a:effectLst/>
-                <a:latin typeface="Söhne"/>
-              </a:rPr>
-              <a:t>temp</a:t>
-            </a:r>
-            <a:r>
-              <a:rPr lang="de-DE" b="0" i="0" dirty="0">
-                <a:solidFill>
-                  <a:srgbClr val="374151"/>
-                </a:solidFill>
-                <a:effectLst/>
-                <a:latin typeface="Söhne"/>
-              </a:rPr>
-              <a:t>), total </a:t>
-            </a:r>
-            <a:r>
-              <a:rPr lang="de-DE" b="0" i="0" dirty="0" err="1">
-                <a:solidFill>
-                  <a:srgbClr val="374151"/>
-                </a:solidFill>
-                <a:effectLst/>
-                <a:latin typeface="Söhne"/>
-              </a:rPr>
-              <a:t>precipitation</a:t>
+              <a:t>daily</a:t>
+            </a:r>
+            <a:r>
+              <a:rPr lang="de-DE" b="0" i="0" dirty="0">
+                <a:solidFill>
+                  <a:srgbClr val="374151"/>
+                </a:solidFill>
+                <a:effectLst/>
+                <a:latin typeface="Söhne"/>
+              </a:rPr>
+              <a:t> maximum, </a:t>
+            </a:r>
+            <a:r>
+              <a:rPr lang="de-DE" b="0" i="0" dirty="0" err="1">
+                <a:solidFill>
+                  <a:srgbClr val="374151"/>
+                </a:solidFill>
+                <a:effectLst/>
+                <a:latin typeface="Söhne"/>
+              </a:rPr>
+              <a:t>population</a:t>
+            </a:r>
+            <a:r>
+              <a:rPr lang="de-DE" b="0" i="0" dirty="0">
+                <a:solidFill>
+                  <a:srgbClr val="374151"/>
+                </a:solidFill>
+                <a:effectLst/>
+                <a:latin typeface="Söhne"/>
+              </a:rPr>
+              <a:t>, </a:t>
+            </a:r>
+            <a:r>
+              <a:rPr lang="de-DE" b="0" i="0" dirty="0" err="1">
+                <a:solidFill>
+                  <a:srgbClr val="374151"/>
+                </a:solidFill>
+                <a:effectLst/>
+                <a:latin typeface="Söhne"/>
+              </a:rPr>
+              <a:t>income</a:t>
             </a:r>
             <a:r>
               <a:rPr lang="de-DE" b="0" i="0" dirty="0">
@@ -5842,537 +7083,17 @@
                 <a:effectLst/>
                 <a:latin typeface="Söhne"/>
               </a:rPr>
-              <a:t>month</a:t>
-            </a:r>
-            <a:r>
-              <a:rPr lang="de-DE" b="0" i="0" dirty="0">
-                <a:solidFill>
-                  <a:srgbClr val="374151"/>
-                </a:solidFill>
-                <a:effectLst/>
-                <a:latin typeface="Söhne"/>
-              </a:rPr>
-              <a:t> (</a:t>
-            </a:r>
-            <a:r>
-              <a:rPr lang="de-DE" b="0" i="0" dirty="0" err="1">
-                <a:solidFill>
-                  <a:srgbClr val="374151"/>
-                </a:solidFill>
-                <a:effectLst/>
-                <a:latin typeface="Söhne"/>
-              </a:rPr>
-              <a:t>precip</a:t>
-            </a:r>
-            <a:r>
-              <a:rPr lang="de-DE" b="0" i="0" dirty="0">
-                <a:solidFill>
-                  <a:srgbClr val="374151"/>
-                </a:solidFill>
-                <a:effectLst/>
-                <a:latin typeface="Söhne"/>
-              </a:rPr>
-              <a:t>), </a:t>
-            </a:r>
-            <a:r>
-              <a:rPr lang="de-DE" b="0" i="0" dirty="0" err="1">
-                <a:solidFill>
-                  <a:srgbClr val="374151"/>
-                </a:solidFill>
-                <a:effectLst/>
-                <a:latin typeface="Söhne"/>
-              </a:rPr>
-              <a:t>monthly</a:t>
-            </a:r>
-            <a:r>
-              <a:rPr lang="de-DE" b="0" i="0" dirty="0">
-                <a:solidFill>
-                  <a:srgbClr val="374151"/>
-                </a:solidFill>
-                <a:effectLst/>
-                <a:latin typeface="Söhne"/>
-              </a:rPr>
-              <a:t> </a:t>
-            </a:r>
-            <a:r>
-              <a:rPr lang="de-DE" b="0" i="0" dirty="0" err="1">
-                <a:solidFill>
-                  <a:srgbClr val="374151"/>
-                </a:solidFill>
-                <a:effectLst/>
-                <a:latin typeface="Söhne"/>
-              </a:rPr>
-              <a:t>mean</a:t>
-            </a:r>
-            <a:r>
-              <a:rPr lang="de-DE" b="0" i="0" dirty="0">
-                <a:solidFill>
-                  <a:srgbClr val="374151"/>
-                </a:solidFill>
-                <a:effectLst/>
-                <a:latin typeface="Söhne"/>
-              </a:rPr>
-              <a:t> wind </a:t>
-            </a:r>
-            <a:r>
-              <a:rPr lang="de-DE" b="0" i="0" dirty="0" err="1">
-                <a:solidFill>
-                  <a:srgbClr val="374151"/>
-                </a:solidFill>
-                <a:effectLst/>
-                <a:latin typeface="Söhne"/>
-              </a:rPr>
-              <a:t>velocity</a:t>
-            </a:r>
-            <a:r>
-              <a:rPr lang="de-DE" b="0" i="0" dirty="0">
-                <a:solidFill>
-                  <a:srgbClr val="374151"/>
-                </a:solidFill>
-                <a:effectLst/>
-                <a:latin typeface="Söhne"/>
-              </a:rPr>
-              <a:t> (wind), total </a:t>
-            </a:r>
-            <a:r>
-              <a:rPr lang="de-DE" b="0" i="0" dirty="0" err="1">
-                <a:solidFill>
-                  <a:srgbClr val="374151"/>
-                </a:solidFill>
-                <a:effectLst/>
-                <a:latin typeface="Söhne"/>
-              </a:rPr>
-              <a:t>daylight</a:t>
-            </a:r>
-            <a:r>
-              <a:rPr lang="de-DE" b="0" i="0" dirty="0">
-                <a:solidFill>
-                  <a:srgbClr val="374151"/>
-                </a:solidFill>
-                <a:effectLst/>
-                <a:latin typeface="Söhne"/>
-              </a:rPr>
-              <a:t> </a:t>
-            </a:r>
-            <a:r>
-              <a:rPr lang="de-DE" b="0" i="0" dirty="0" err="1">
-                <a:solidFill>
-                  <a:srgbClr val="374151"/>
-                </a:solidFill>
-                <a:effectLst/>
-                <a:latin typeface="Söhne"/>
-              </a:rPr>
-              <a:t>duration</a:t>
-            </a:r>
-            <a:r>
-              <a:rPr lang="de-DE" b="0" i="0" dirty="0">
-                <a:solidFill>
-                  <a:srgbClr val="374151"/>
-                </a:solidFill>
-                <a:effectLst/>
-                <a:latin typeface="Söhne"/>
-              </a:rPr>
-              <a:t> per </a:t>
-            </a:r>
-            <a:r>
-              <a:rPr lang="de-DE" b="0" i="0" dirty="0" err="1">
-                <a:solidFill>
-                  <a:srgbClr val="374151"/>
-                </a:solidFill>
-                <a:effectLst/>
-                <a:latin typeface="Söhne"/>
-              </a:rPr>
-              <a:t>month</a:t>
-            </a:r>
-            <a:r>
-              <a:rPr lang="de-DE" b="0" i="0" dirty="0">
-                <a:solidFill>
-                  <a:srgbClr val="374151"/>
-                </a:solidFill>
-                <a:effectLst/>
-                <a:latin typeface="Söhne"/>
-              </a:rPr>
-              <a:t> (</a:t>
-            </a:r>
-            <a:r>
-              <a:rPr lang="de-DE" b="0" i="0" dirty="0" err="1">
-                <a:solidFill>
-                  <a:srgbClr val="374151"/>
-                </a:solidFill>
-                <a:effectLst/>
-                <a:latin typeface="Söhne"/>
-              </a:rPr>
-              <a:t>daylight</a:t>
-            </a:r>
-            <a:r>
-              <a:rPr lang="de-DE" b="0" i="0" dirty="0">
-                <a:solidFill>
-                  <a:srgbClr val="374151"/>
-                </a:solidFill>
-                <a:effectLst/>
-                <a:latin typeface="Söhne"/>
-              </a:rPr>
-              <a:t>), total </a:t>
-            </a:r>
-            <a:r>
-              <a:rPr lang="de-DE" b="0" i="0" dirty="0" err="1">
-                <a:solidFill>
-                  <a:srgbClr val="374151"/>
-                </a:solidFill>
-                <a:effectLst/>
-                <a:latin typeface="Söhne"/>
-              </a:rPr>
-              <a:t>snowfall</a:t>
-            </a:r>
-            <a:r>
-              <a:rPr lang="de-DE" b="0" i="0" dirty="0">
-                <a:solidFill>
-                  <a:srgbClr val="374151"/>
-                </a:solidFill>
-                <a:effectLst/>
-                <a:latin typeface="Söhne"/>
-              </a:rPr>
-              <a:t> per </a:t>
-            </a:r>
-            <a:r>
-              <a:rPr lang="de-DE" b="0" i="0" dirty="0" err="1">
-                <a:solidFill>
-                  <a:srgbClr val="374151"/>
-                </a:solidFill>
-                <a:effectLst/>
-                <a:latin typeface="Söhne"/>
-              </a:rPr>
-              <a:t>month</a:t>
-            </a:r>
-            <a:r>
-              <a:rPr lang="de-DE" b="0" i="0" dirty="0">
-                <a:solidFill>
-                  <a:srgbClr val="374151"/>
-                </a:solidFill>
-                <a:effectLst/>
-                <a:latin typeface="Söhne"/>
-              </a:rPr>
-              <a:t> (</a:t>
-            </a:r>
-            <a:r>
-              <a:rPr lang="de-DE" b="0" i="0" dirty="0" err="1">
-                <a:solidFill>
-                  <a:srgbClr val="374151"/>
-                </a:solidFill>
-                <a:effectLst/>
-                <a:latin typeface="Söhne"/>
-              </a:rPr>
-              <a:t>snow</a:t>
-            </a:r>
-            <a:r>
-              <a:rPr lang="de-DE" b="0" i="0" dirty="0">
-                <a:solidFill>
-                  <a:srgbClr val="374151"/>
-                </a:solidFill>
-                <a:effectLst/>
-                <a:latin typeface="Söhne"/>
-              </a:rPr>
-              <a:t>), </a:t>
-            </a:r>
-            <a:r>
-              <a:rPr lang="de-DE" b="0" i="0" dirty="0" err="1">
-                <a:solidFill>
-                  <a:srgbClr val="374151"/>
-                </a:solidFill>
-                <a:effectLst/>
-                <a:latin typeface="Söhne"/>
-              </a:rPr>
-              <a:t>degree</a:t>
-            </a:r>
-            <a:r>
-              <a:rPr lang="de-DE" b="0" i="0" dirty="0">
-                <a:solidFill>
-                  <a:srgbClr val="374151"/>
-                </a:solidFill>
-                <a:effectLst/>
-                <a:latin typeface="Söhne"/>
-              </a:rPr>
-              <a:t> </a:t>
-            </a:r>
-            <a:r>
-              <a:rPr lang="de-DE" b="0" i="0" dirty="0" err="1">
-                <a:solidFill>
-                  <a:srgbClr val="374151"/>
-                </a:solidFill>
-                <a:effectLst/>
-                <a:latin typeface="Söhne"/>
-              </a:rPr>
-              <a:t>of</a:t>
-            </a:r>
-            <a:r>
-              <a:rPr lang="de-DE" b="0" i="0" dirty="0">
-                <a:solidFill>
-                  <a:srgbClr val="374151"/>
-                </a:solidFill>
-                <a:effectLst/>
-                <a:latin typeface="Söhne"/>
-              </a:rPr>
-              <a:t> </a:t>
-            </a:r>
-            <a:r>
-              <a:rPr lang="de-DE" b="0" i="0" dirty="0" err="1">
-                <a:solidFill>
-                  <a:srgbClr val="374151"/>
-                </a:solidFill>
-                <a:effectLst/>
-                <a:latin typeface="Söhne"/>
-              </a:rPr>
-              <a:t>cloud</a:t>
-            </a:r>
-            <a:r>
-              <a:rPr lang="de-DE" b="0" i="0" dirty="0">
-                <a:solidFill>
-                  <a:srgbClr val="374151"/>
-                </a:solidFill>
-                <a:effectLst/>
-                <a:latin typeface="Söhne"/>
-              </a:rPr>
-              <a:t> </a:t>
-            </a:r>
-            <a:r>
-              <a:rPr lang="de-DE" b="0" i="0" dirty="0" err="1">
-                <a:solidFill>
-                  <a:srgbClr val="374151"/>
-                </a:solidFill>
-                <a:effectLst/>
-                <a:latin typeface="Söhne"/>
-              </a:rPr>
-              <a:t>cover</a:t>
-            </a:r>
-            <a:r>
-              <a:rPr lang="de-DE" b="0" i="0" dirty="0">
-                <a:solidFill>
-                  <a:srgbClr val="374151"/>
-                </a:solidFill>
-                <a:effectLst/>
-                <a:latin typeface="Söhne"/>
-              </a:rPr>
-              <a:t> per </a:t>
-            </a:r>
-            <a:r>
-              <a:rPr lang="de-DE" b="0" i="0" dirty="0" err="1">
-                <a:solidFill>
-                  <a:srgbClr val="374151"/>
-                </a:solidFill>
-                <a:effectLst/>
-                <a:latin typeface="Söhne"/>
-              </a:rPr>
-              <a:t>month</a:t>
-            </a:r>
-            <a:r>
-              <a:rPr lang="de-DE" b="0" i="0" dirty="0">
-                <a:solidFill>
-                  <a:srgbClr val="374151"/>
-                </a:solidFill>
-                <a:effectLst/>
-                <a:latin typeface="Söhne"/>
-              </a:rPr>
-              <a:t> (</a:t>
-            </a:r>
-            <a:r>
-              <a:rPr lang="de-DE" b="0" i="0" dirty="0" err="1">
-                <a:solidFill>
-                  <a:srgbClr val="374151"/>
-                </a:solidFill>
-                <a:effectLst/>
-                <a:latin typeface="Söhne"/>
-              </a:rPr>
-              <a:t>cloud</a:t>
-            </a:r>
-            <a:r>
-              <a:rPr lang="de-DE" b="0" i="0" dirty="0">
-                <a:solidFill>
-                  <a:srgbClr val="374151"/>
-                </a:solidFill>
-                <a:effectLst/>
-                <a:latin typeface="Söhne"/>
-              </a:rPr>
-              <a:t>), and a time-</a:t>
-            </a:r>
-            <a:r>
-              <a:rPr lang="de-DE" b="0" i="0" dirty="0" err="1">
-                <a:solidFill>
-                  <a:srgbClr val="374151"/>
-                </a:solidFill>
-                <a:effectLst/>
-                <a:latin typeface="Söhne"/>
-              </a:rPr>
-              <a:t>varying</a:t>
-            </a:r>
-            <a:r>
-              <a:rPr lang="de-DE" b="0" i="0" dirty="0">
-                <a:solidFill>
-                  <a:srgbClr val="374151"/>
-                </a:solidFill>
-                <a:effectLst/>
-                <a:latin typeface="Söhne"/>
-              </a:rPr>
-              <a:t> </a:t>
-            </a:r>
-            <a:r>
-              <a:rPr lang="de-DE" b="0" i="0" dirty="0" err="1">
-                <a:solidFill>
-                  <a:srgbClr val="374151"/>
-                </a:solidFill>
-                <a:effectLst/>
-                <a:latin typeface="Söhne"/>
-              </a:rPr>
-              <a:t>dummy</a:t>
-            </a:r>
-            <a:r>
-              <a:rPr lang="de-DE" b="0" i="0" dirty="0">
-                <a:solidFill>
-                  <a:srgbClr val="374151"/>
-                </a:solidFill>
-                <a:effectLst/>
-                <a:latin typeface="Söhne"/>
-              </a:rPr>
-              <a:t> variable (treatment1992) </a:t>
-            </a:r>
-            <a:r>
-              <a:rPr lang="de-DE" b="0" i="0" dirty="0" err="1">
-                <a:solidFill>
-                  <a:srgbClr val="374151"/>
-                </a:solidFill>
-                <a:effectLst/>
-                <a:latin typeface="Söhne"/>
-              </a:rPr>
-              <a:t>to</a:t>
-            </a:r>
-            <a:r>
-              <a:rPr lang="de-DE" b="0" i="0" dirty="0">
-                <a:solidFill>
-                  <a:srgbClr val="374151"/>
-                </a:solidFill>
-                <a:effectLst/>
-                <a:latin typeface="Söhne"/>
-              </a:rPr>
-              <a:t> </a:t>
-            </a:r>
-            <a:r>
-              <a:rPr lang="de-DE" b="0" i="0" dirty="0" err="1">
-                <a:solidFill>
-                  <a:srgbClr val="374151"/>
-                </a:solidFill>
-                <a:effectLst/>
-                <a:latin typeface="Söhne"/>
-              </a:rPr>
-              <a:t>indicate</a:t>
-            </a:r>
-            <a:r>
-              <a:rPr lang="de-DE" b="0" i="0" dirty="0">
-                <a:solidFill>
-                  <a:srgbClr val="374151"/>
-                </a:solidFill>
-                <a:effectLst/>
-                <a:latin typeface="Söhne"/>
-              </a:rPr>
-              <a:t> </a:t>
-            </a:r>
-            <a:r>
-              <a:rPr lang="de-DE" b="0" i="0" dirty="0" err="1">
-                <a:solidFill>
-                  <a:srgbClr val="374151"/>
-                </a:solidFill>
-                <a:effectLst/>
-                <a:latin typeface="Söhne"/>
-              </a:rPr>
-              <a:t>if</a:t>
-            </a:r>
-            <a:r>
-              <a:rPr lang="de-DE" b="0" i="0" dirty="0">
-                <a:solidFill>
-                  <a:srgbClr val="374151"/>
-                </a:solidFill>
-                <a:effectLst/>
-                <a:latin typeface="Söhne"/>
-              </a:rPr>
-              <a:t> a monitor was </a:t>
-            </a:r>
-            <a:r>
-              <a:rPr lang="de-DE" b="0" i="0" dirty="0" err="1">
-                <a:solidFill>
-                  <a:srgbClr val="374151"/>
-                </a:solidFill>
-                <a:effectLst/>
-                <a:latin typeface="Söhne"/>
-              </a:rPr>
-              <a:t>located</a:t>
-            </a:r>
-            <a:r>
-              <a:rPr lang="de-DE" b="0" i="0" dirty="0">
-                <a:solidFill>
-                  <a:srgbClr val="374151"/>
-                </a:solidFill>
-                <a:effectLst/>
-                <a:latin typeface="Söhne"/>
-              </a:rPr>
-              <a:t> in a </a:t>
-            </a:r>
-            <a:r>
-              <a:rPr lang="de-DE" b="0" i="0" dirty="0" err="1">
-                <a:solidFill>
-                  <a:srgbClr val="374151"/>
-                </a:solidFill>
-                <a:effectLst/>
-                <a:latin typeface="Söhne"/>
-              </a:rPr>
-              <a:t>municipality</a:t>
-            </a:r>
-            <a:r>
-              <a:rPr lang="de-DE" b="0" i="0" dirty="0">
-                <a:solidFill>
-                  <a:srgbClr val="374151"/>
-                </a:solidFill>
-                <a:effectLst/>
-                <a:latin typeface="Söhne"/>
-              </a:rPr>
-              <a:t> </a:t>
-            </a:r>
-            <a:r>
-              <a:rPr lang="de-DE" b="0" i="0" dirty="0" err="1">
-                <a:solidFill>
-                  <a:srgbClr val="374151"/>
-                </a:solidFill>
-                <a:effectLst/>
-                <a:latin typeface="Söhne"/>
-              </a:rPr>
-              <a:t>subject</a:t>
-            </a:r>
-            <a:r>
-              <a:rPr lang="de-DE" b="0" i="0" dirty="0">
-                <a:solidFill>
-                  <a:srgbClr val="374151"/>
-                </a:solidFill>
-                <a:effectLst/>
-                <a:latin typeface="Söhne"/>
-              </a:rPr>
-              <a:t> </a:t>
-            </a:r>
-            <a:r>
-              <a:rPr lang="de-DE" b="0" i="0" dirty="0" err="1">
-                <a:solidFill>
-                  <a:srgbClr val="374151"/>
-                </a:solidFill>
-                <a:effectLst/>
-                <a:latin typeface="Söhne"/>
-              </a:rPr>
-              <a:t>to</a:t>
-            </a:r>
-            <a:r>
-              <a:rPr lang="de-DE" b="0" i="0" dirty="0">
-                <a:solidFill>
-                  <a:srgbClr val="374151"/>
-                </a:solidFill>
-                <a:effectLst/>
-                <a:latin typeface="Söhne"/>
-              </a:rPr>
-              <a:t> </a:t>
+              <a:t>capita</a:t>
+            </a:r>
+            <a:r>
+              <a:rPr lang="de-DE" b="0" i="0" dirty="0">
+                <a:solidFill>
+                  <a:srgbClr val="374151"/>
+                </a:solidFill>
+                <a:effectLst/>
+                <a:latin typeface="Söhne"/>
+              </a:rPr>
+              <a:t>, and </a:t>
             </a:r>
             <a:r>
               <a:rPr lang="de-DE" b="0" i="0" dirty="0" err="1">
@@ -6392,7 +7113,27 @@
                 <a:effectLst/>
                 <a:latin typeface="Söhne"/>
               </a:rPr>
-              <a:t> ANCL.</a:t>
+              <a:t> </a:t>
+            </a:r>
+            <a:r>
+              <a:rPr lang="de-DE" b="0" i="0" dirty="0" err="1">
+                <a:solidFill>
+                  <a:srgbClr val="374151"/>
+                </a:solidFill>
+                <a:effectLst/>
+                <a:latin typeface="Söhne"/>
+              </a:rPr>
+              <a:t>unemployment</a:t>
+            </a:r>
+            <a:r>
+              <a:rPr lang="de-DE" b="0" i="0" dirty="0">
+                <a:solidFill>
+                  <a:srgbClr val="374151"/>
+                </a:solidFill>
+                <a:effectLst/>
+                <a:latin typeface="Söhne"/>
+              </a:rPr>
+              <a:t> rate.</a:t>
             </a:r>
             <a:endParaRPr lang="de-US" dirty="0"/>
           </a:p>
@@ -8213,7 +8954,7 @@
                 <a:effectLst/>
                 <a:latin typeface="Söhne"/>
               </a:rPr>
-              <a:t>municipalities</a:t>
+              <a:t>boroughs</a:t>
             </a:r>
             <a:r>
               <a:rPr lang="de-DE" b="0" i="0" dirty="0">
@@ -8573,7 +9314,7 @@
                 <a:effectLst/>
                 <a:latin typeface="Söhne"/>
               </a:rPr>
-              <a:t>municipalities</a:t>
+              <a:t>borough</a:t>
             </a:r>
             <a:r>
               <a:rPr lang="de-DE" b="0" i="0" dirty="0">
@@ -8673,7 +9414,7 @@
                 <a:effectLst/>
                 <a:latin typeface="Söhne"/>
               </a:rPr>
-              <a:t>municipalities</a:t>
+              <a:t>boroughs</a:t>
             </a:r>
             <a:r>
               <a:rPr lang="de-DE" b="0" i="0" dirty="0">
@@ -8923,7 +9664,40 @@
                 <a:effectLst/>
                 <a:latin typeface="Söhne"/>
               </a:rPr>
-              <a:t> 2015 (t=1). By </a:t>
+              <a:t> 2015 (t=1). </a:t>
+            </a:r>
+          </a:p>
+          <a:p>
+            <a:pPr algn="l"/>
+            <a:endParaRPr lang="de-DE" b="0" i="0" dirty="0">
+              <a:solidFill>
+                <a:srgbClr val="374151"/>
+              </a:solidFill>
+              <a:effectLst/>
+              <a:latin typeface="Söhne"/>
+            </a:endParaRPr>
+          </a:p>
+          <a:p>
+            <a:pPr algn="l"/>
+            <a:endParaRPr lang="de-DE" b="0" i="0" dirty="0">
+              <a:solidFill>
+                <a:srgbClr val="374151"/>
+              </a:solidFill>
+              <a:effectLst/>
+              <a:latin typeface="Söhne"/>
+            </a:endParaRPr>
+          </a:p>
+          <a:p>
+            <a:pPr algn="l"/>
+            <a:r>
+              <a:rPr lang="de-DE" b="0" i="0" dirty="0">
+                <a:solidFill>
+                  <a:srgbClr val="374151"/>
+                </a:solidFill>
+                <a:effectLst/>
+                <a:latin typeface="Söhne"/>
+              </a:rPr>
+              <a:t>(By </a:t>
             </a:r>
             <a:r>
               <a:rPr lang="de-DE" b="0" i="0" dirty="0" err="1">
@@ -9563,7 +10337,7 @@
                 <a:effectLst/>
                 <a:latin typeface="Söhne"/>
               </a:rPr>
-              <a:t> ANCL.</a:t>
+              <a:t> ANCL.)</a:t>
             </a:r>
           </a:p>
           <a:p>
@@ -10767,7 +11541,26 @@
                 <a:ea typeface="Calibri" panose="020F0502020204030204" pitchFamily="34" charset="0"/>
                 <a:cs typeface="Times New Roman" panose="02020603050405020304" pitchFamily="18" charset="0"/>
               </a:rPr>
-              <a:t>The variable "Treatedm" is a dummy variable that takes on the value of 1 if the monitor is located in a municipality subject to the ANCL and 0 otherwise. The variable "Postyear" is another dummy variable that takes on the value of 1 if the observation is made after the intervention period (June 1992) and 0 otherwise. The variable "Monitorm" represents the pollution monitor, and the variable "Timet" represents the month.</a:t>
+              <a:t>The variable "Treatedm" is a dummy variable that takes on the value of 1 if the monitor is located in a </a:t>
+            </a:r>
+            <a:r>
+              <a:rPr lang="de-DE" sz="1800" b="0" i="0" dirty="0" err="1">
+                <a:solidFill>
+                  <a:srgbClr val="374151"/>
+                </a:solidFill>
+                <a:effectLst/>
+                <a:latin typeface="Söhne"/>
+              </a:rPr>
+              <a:t>borough</a:t>
+            </a:r>
+            <a:r>
+              <a:rPr lang="de-US" sz="1800" dirty="0">
+                <a:effectLst/>
+                <a:latin typeface="Calibri" panose="020F0502020204030204" pitchFamily="34" charset="0"/>
+                <a:ea typeface="Calibri" panose="020F0502020204030204" pitchFamily="34" charset="0"/>
+                <a:cs typeface="Times New Roman" panose="02020603050405020304" pitchFamily="18" charset="0"/>
+              </a:rPr>
+              <a:t> subject to the ANCL and 0 otherwise. The variable "Postyear" is another dummy variable that takes on the value of 1 if the observation is made after the intervention period (June 1992) and 0 otherwise. The variable "Monitorm" represents the pollution monitor, and the variable "Timet" represents the month.</a:t>
             </a:r>
           </a:p>
           <a:p>
@@ -11092,7 +11885,7 @@
           <a:p>
             <a:fld id="{DF6015D5-F047-674E-955E-82F4425B7F56}" type="datetimeFigureOut">
               <a:rPr lang="de-US" smtClean="0"/>
-              <a:t>3/7/23</a:t>
+              <a:t>3/12/23</a:t>
             </a:fld>
             <a:endParaRPr lang="de-US"/>
           </a:p>
@@ -11292,7 +12085,7 @@
           <a:p>
             <a:fld id="{DF6015D5-F047-674E-955E-82F4425B7F56}" type="datetimeFigureOut">
               <a:rPr lang="de-US" smtClean="0"/>
-              <a:t>3/7/23</a:t>
+              <a:t>3/12/23</a:t>
             </a:fld>
             <a:endParaRPr lang="de-US"/>
           </a:p>
@@ -11502,7 +12295,7 @@
           <a:p>
             <a:fld id="{DF6015D5-F047-674E-955E-82F4425B7F56}" type="datetimeFigureOut">
               <a:rPr lang="de-US" smtClean="0"/>
-              <a:t>3/7/23</a:t>
+              <a:t>3/12/23</a:t>
             </a:fld>
             <a:endParaRPr lang="de-US"/>
           </a:p>
@@ -11702,7 +12495,7 @@
           <a:p>
             <a:fld id="{DF6015D5-F047-674E-955E-82F4425B7F56}" type="datetimeFigureOut">
               <a:rPr lang="de-US" smtClean="0"/>
-              <a:t>3/7/23</a:t>
+              <a:t>3/12/23</a:t>
             </a:fld>
             <a:endParaRPr lang="de-US"/>
           </a:p>
@@ -11978,7 +12771,7 @@
           <a:p>
             <a:fld id="{DF6015D5-F047-674E-955E-82F4425B7F56}" type="datetimeFigureOut">
               <a:rPr lang="de-US" smtClean="0"/>
-              <a:t>3/7/23</a:t>
+              <a:t>3/12/23</a:t>
             </a:fld>
             <a:endParaRPr lang="de-US"/>
           </a:p>
@@ -12246,7 +13039,7 @@
           <a:p>
             <a:fld id="{DF6015D5-F047-674E-955E-82F4425B7F56}" type="datetimeFigureOut">
               <a:rPr lang="de-US" smtClean="0"/>
-              <a:t>3/7/23</a:t>
+              <a:t>3/12/23</a:t>
             </a:fld>
             <a:endParaRPr lang="de-US"/>
           </a:p>
@@ -12661,7 +13454,7 @@
           <a:p>
             <a:fld id="{DF6015D5-F047-674E-955E-82F4425B7F56}" type="datetimeFigureOut">
               <a:rPr lang="de-US" smtClean="0"/>
-              <a:t>3/7/23</a:t>
+              <a:t>3/12/23</a:t>
             </a:fld>
             <a:endParaRPr lang="de-US"/>
           </a:p>
@@ -12803,7 +13596,7 @@
           <a:p>
             <a:fld id="{DF6015D5-F047-674E-955E-82F4425B7F56}" type="datetimeFigureOut">
               <a:rPr lang="de-US" smtClean="0"/>
-              <a:t>3/7/23</a:t>
+              <a:t>3/12/23</a:t>
             </a:fld>
             <a:endParaRPr lang="de-US"/>
           </a:p>
@@ -12916,7 +13709,7 @@
           <a:p>
             <a:fld id="{DF6015D5-F047-674E-955E-82F4425B7F56}" type="datetimeFigureOut">
               <a:rPr lang="de-US" smtClean="0"/>
-              <a:t>3/7/23</a:t>
+              <a:t>3/12/23</a:t>
             </a:fld>
             <a:endParaRPr lang="de-US"/>
           </a:p>
@@ -13229,7 +14022,7 @@
           <a:p>
             <a:fld id="{DF6015D5-F047-674E-955E-82F4425B7F56}" type="datetimeFigureOut">
               <a:rPr lang="de-US" smtClean="0"/>
-              <a:t>3/7/23</a:t>
+              <a:t>3/12/23</a:t>
             </a:fld>
             <a:endParaRPr lang="de-US"/>
           </a:p>
@@ -13518,7 +14311,7 @@
           <a:p>
             <a:fld id="{DF6015D5-F047-674E-955E-82F4425B7F56}" type="datetimeFigureOut">
               <a:rPr lang="de-US" smtClean="0"/>
-              <a:t>3/7/23</a:t>
+              <a:t>3/12/23</a:t>
             </a:fld>
             <a:endParaRPr lang="de-US"/>
           </a:p>
@@ -13761,7 +14554,7 @@
           <a:p>
             <a:fld id="{DF6015D5-F047-674E-955E-82F4425B7F56}" type="datetimeFigureOut">
               <a:rPr lang="de-US" smtClean="0"/>
-              <a:t>3/7/23</a:t>
+              <a:t>3/12/23</a:t>
             </a:fld>
             <a:endParaRPr lang="de-US"/>
           </a:p>
@@ -20052,7 +20845,7 @@
         <p:spPr>
           <a:xfrm>
             <a:off x="3031808" y="2124710"/>
-            <a:ext cx="9002034" cy="3693319"/>
+            <a:ext cx="9002034" cy="3139321"/>
           </a:xfrm>
           <a:prstGeom prst="rect">
             <a:avLst/>
@@ -20071,7 +20864,7 @@
             </a:pPr>
             <a:r>
               <a:rPr lang="en-US" dirty="0"/>
-              <a:t>Monthly panel dataset at the pollution monitor level </a:t>
+              <a:t>Monthly panel dataset at the pollution monitor level from Japan for </a:t>
             </a:r>
           </a:p>
           <a:p>
@@ -20081,7 +20874,7 @@
             </a:pPr>
             <a:r>
               <a:rPr lang="en-US" dirty="0"/>
-              <a:t>from Japan for </a:t>
+              <a:t>January 1981–December 2015. </a:t>
             </a:r>
           </a:p>
           <a:p>
@@ -20091,7 +20884,7 @@
             </a:pPr>
             <a:r>
               <a:rPr lang="en-US" dirty="0"/>
-              <a:t>January 1981–December 2015. </a:t>
+              <a:t>Control Group: 109 municipalities that were subject to the ANCL 1992</a:t>
             </a:r>
           </a:p>
           <a:p>
@@ -20101,17 +20894,7 @@
             </a:pPr>
             <a:r>
               <a:rPr lang="en-US" dirty="0"/>
-              <a:t>Treatment Group: 109 municipalities designated in 1992</a:t>
-            </a:r>
-          </a:p>
-          <a:p>
-            <a:pPr marL="742950" lvl="1" indent="-285750">
-              <a:buFont typeface="Arial" panose="020B0604020202020204" pitchFamily="34" charset="0"/>
-              <a:buChar char="•"/>
-            </a:pPr>
-            <a:r>
-              <a:rPr lang="en-US" dirty="0"/>
-              <a:t>The control group comprises five urban municipalities that were not subject to the ANCL.</a:t>
+              <a:t>Treatment Group: 5 urban municipalities that were subject to the ANCL 1992</a:t>
             </a:r>
           </a:p>
           <a:p>
